--- a/Presentation.pptx
+++ b/Presentation.pptx
@@ -121,7 +121,7 @@
 <file path=ppt/revisionInfo.xml><?xml version="1.0" encoding="utf-8"?>
 <p1510:revInfo xmlns:a="http://schemas.openxmlformats.org/drawingml/2006/main" xmlns:r="http://schemas.openxmlformats.org/officeDocument/2006/relationships" xmlns:p1510="http://schemas.microsoft.com/office/powerpoint/2015/10/main">
   <p1510:revLst>
-    <p1510:client id="{CDCF51ED-15B4-DF42-B508-006B84488BF0}" v="719" dt="2023-04-23T03:23:08.465"/>
+    <p1510:client id="{CDCF51ED-15B4-DF42-B508-006B84488BF0}" v="767" dt="2023-04-23T19:08:25.014"/>
   </p1510:revLst>
 </p1510:revInfo>
 </file>
@@ -462,6 +462,304 @@
     </pc:docChg>
   </pc:docChgLst>
   <pc:docChgLst>
+    <pc:chgData name="William Soper (student)" userId="eb815614-75d7-4271-9634-360602813ee8" providerId="ADAL" clId="{F042BA0F-F1C6-A347-9BFF-1CE82EEC7FF0}"/>
+    <pc:docChg chg="custSel modSld">
+      <pc:chgData name="William Soper (student)" userId="eb815614-75d7-4271-9634-360602813ee8" providerId="ADAL" clId="{F042BA0F-F1C6-A347-9BFF-1CE82EEC7FF0}" dt="2023-04-19T17:34:19.669" v="569"/>
+      <pc:docMkLst>
+        <pc:docMk/>
+      </pc:docMkLst>
+      <pc:sldChg chg="addSp delSp modSp mod setBg">
+        <pc:chgData name="William Soper (student)" userId="eb815614-75d7-4271-9634-360602813ee8" providerId="ADAL" clId="{F042BA0F-F1C6-A347-9BFF-1CE82EEC7FF0}" dt="2023-04-19T17:24:24.624" v="517" actId="26606"/>
+        <pc:sldMkLst>
+          <pc:docMk/>
+          <pc:sldMk cId="109857222" sldId="256"/>
+        </pc:sldMkLst>
+        <pc:spChg chg="mod">
+          <ac:chgData name="William Soper (student)" userId="eb815614-75d7-4271-9634-360602813ee8" providerId="ADAL" clId="{F042BA0F-F1C6-A347-9BFF-1CE82EEC7FF0}" dt="2023-04-19T17:24:24.624" v="517" actId="26606"/>
+          <ac:spMkLst>
+            <pc:docMk/>
+            <pc:sldMk cId="109857222" sldId="256"/>
+            <ac:spMk id="2" creationId="{00000000-0000-0000-0000-000000000000}"/>
+          </ac:spMkLst>
+        </pc:spChg>
+        <pc:spChg chg="mod">
+          <ac:chgData name="William Soper (student)" userId="eb815614-75d7-4271-9634-360602813ee8" providerId="ADAL" clId="{F042BA0F-F1C6-A347-9BFF-1CE82EEC7FF0}" dt="2023-04-19T17:24:24.624" v="517" actId="26606"/>
+          <ac:spMkLst>
+            <pc:docMk/>
+            <pc:sldMk cId="109857222" sldId="256"/>
+            <ac:spMk id="3" creationId="{00000000-0000-0000-0000-000000000000}"/>
+          </ac:spMkLst>
+        </pc:spChg>
+        <pc:spChg chg="del">
+          <ac:chgData name="William Soper (student)" userId="eb815614-75d7-4271-9634-360602813ee8" providerId="ADAL" clId="{F042BA0F-F1C6-A347-9BFF-1CE82EEC7FF0}" dt="2023-04-19T17:24:24.624" v="517" actId="26606"/>
+          <ac:spMkLst>
+            <pc:docMk/>
+            <pc:sldMk cId="109857222" sldId="256"/>
+            <ac:spMk id="8" creationId="{DEF92653-5D6D-47E6-8744-0DAF76E049C4}"/>
+          </ac:spMkLst>
+        </pc:spChg>
+        <pc:spChg chg="add">
+          <ac:chgData name="William Soper (student)" userId="eb815614-75d7-4271-9634-360602813ee8" providerId="ADAL" clId="{F042BA0F-F1C6-A347-9BFF-1CE82EEC7FF0}" dt="2023-04-19T17:24:24.624" v="517" actId="26606"/>
+          <ac:spMkLst>
+            <pc:docMk/>
+            <pc:sldMk cId="109857222" sldId="256"/>
+            <ac:spMk id="15" creationId="{33E93247-6229-44AB-A550-739E971E690B}"/>
+          </ac:spMkLst>
+        </pc:spChg>
+        <pc:spChg chg="add">
+          <ac:chgData name="William Soper (student)" userId="eb815614-75d7-4271-9634-360602813ee8" providerId="ADAL" clId="{F042BA0F-F1C6-A347-9BFF-1CE82EEC7FF0}" dt="2023-04-19T17:24:24.624" v="517" actId="26606"/>
+          <ac:spMkLst>
+            <pc:docMk/>
+            <pc:sldMk cId="109857222" sldId="256"/>
+            <ac:spMk id="17" creationId="{6BB6B482-ACCA-4938-8AEA-49D525C17221}"/>
+          </ac:spMkLst>
+        </pc:spChg>
+        <pc:picChg chg="del">
+          <ac:chgData name="William Soper (student)" userId="eb815614-75d7-4271-9634-360602813ee8" providerId="ADAL" clId="{F042BA0F-F1C6-A347-9BFF-1CE82EEC7FF0}" dt="2023-04-17T17:35:34.430" v="475" actId="478"/>
+          <ac:picMkLst>
+            <pc:docMk/>
+            <pc:sldMk cId="109857222" sldId="256"/>
+            <ac:picMk id="6" creationId="{B48D6717-BDC0-2670-F14D-0557F7C5E67B}"/>
+          </ac:picMkLst>
+        </pc:picChg>
+        <pc:picChg chg="del">
+          <ac:chgData name="William Soper (student)" userId="eb815614-75d7-4271-9634-360602813ee8" providerId="ADAL" clId="{F042BA0F-F1C6-A347-9BFF-1CE82EEC7FF0}" dt="2023-04-17T17:35:23.581" v="474" actId="478"/>
+          <ac:picMkLst>
+            <pc:docMk/>
+            <pc:sldMk cId="109857222" sldId="256"/>
+            <ac:picMk id="7" creationId="{58FB3B13-DCC6-75B4-78B0-83635CFA45A0}"/>
+          </ac:picMkLst>
+        </pc:picChg>
+        <pc:picChg chg="del">
+          <ac:chgData name="William Soper (student)" userId="eb815614-75d7-4271-9634-360602813ee8" providerId="ADAL" clId="{F042BA0F-F1C6-A347-9BFF-1CE82EEC7FF0}" dt="2023-04-19T17:07:25.132" v="493" actId="478"/>
+          <ac:picMkLst>
+            <pc:docMk/>
+            <pc:sldMk cId="109857222" sldId="256"/>
+            <ac:picMk id="11" creationId="{8EBF4BC2-6D11-4DE6-B0CD-DD351DD253C1}"/>
+          </ac:picMkLst>
+        </pc:picChg>
+        <pc:picChg chg="add">
+          <ac:chgData name="William Soper (student)" userId="eb815614-75d7-4271-9634-360602813ee8" providerId="ADAL" clId="{F042BA0F-F1C6-A347-9BFF-1CE82EEC7FF0}" dt="2023-04-19T17:24:24.624" v="517" actId="26606"/>
+          <ac:picMkLst>
+            <pc:docMk/>
+            <pc:sldMk cId="109857222" sldId="256"/>
+            <ac:picMk id="16" creationId="{3E2541B2-2DB7-0C06-E535-8B6A2CF20228}"/>
+          </ac:picMkLst>
+        </pc:picChg>
+        <pc:cxnChg chg="del">
+          <ac:chgData name="William Soper (student)" userId="eb815614-75d7-4271-9634-360602813ee8" providerId="ADAL" clId="{F042BA0F-F1C6-A347-9BFF-1CE82EEC7FF0}" dt="2023-04-19T17:24:24.624" v="517" actId="26606"/>
+          <ac:cxnSpMkLst>
+            <pc:docMk/>
+            <pc:sldMk cId="109857222" sldId="256"/>
+            <ac:cxnSpMk id="10" creationId="{9CA98CE3-81A7-4FFE-A047-9AA65998D877}"/>
+          </ac:cxnSpMkLst>
+        </pc:cxnChg>
+        <pc:cxnChg chg="del">
+          <ac:chgData name="William Soper (student)" userId="eb815614-75d7-4271-9634-360602813ee8" providerId="ADAL" clId="{F042BA0F-F1C6-A347-9BFF-1CE82EEC7FF0}" dt="2023-04-19T17:24:24.624" v="517" actId="26606"/>
+          <ac:cxnSpMkLst>
+            <pc:docMk/>
+            <pc:sldMk cId="109857222" sldId="256"/>
+            <ac:cxnSpMk id="12" creationId="{18D91C2B-BDB9-49BE-9C44-E0CFE597ABFE}"/>
+          </ac:cxnSpMkLst>
+        </pc:cxnChg>
+        <pc:cxnChg chg="add">
+          <ac:chgData name="William Soper (student)" userId="eb815614-75d7-4271-9634-360602813ee8" providerId="ADAL" clId="{F042BA0F-F1C6-A347-9BFF-1CE82EEC7FF0}" dt="2023-04-19T17:24:24.624" v="517" actId="26606"/>
+          <ac:cxnSpMkLst>
+            <pc:docMk/>
+            <pc:sldMk cId="109857222" sldId="256"/>
+            <ac:cxnSpMk id="19" creationId="{EE2E603F-4A95-4FE8-BB06-211DFD75DBEF}"/>
+          </ac:cxnSpMkLst>
+        </pc:cxnChg>
+      </pc:sldChg>
+      <pc:sldChg chg="modTransition">
+        <pc:chgData name="William Soper (student)" userId="eb815614-75d7-4271-9634-360602813ee8" providerId="ADAL" clId="{F042BA0F-F1C6-A347-9BFF-1CE82EEC7FF0}" dt="2023-04-19T17:33:28.100" v="565"/>
+        <pc:sldMkLst>
+          <pc:docMk/>
+          <pc:sldMk cId="3354035731" sldId="257"/>
+        </pc:sldMkLst>
+      </pc:sldChg>
+      <pc:sldChg chg="addSp delSp modSp mod modTransition setBg chgLayout">
+        <pc:chgData name="William Soper (student)" userId="eb815614-75d7-4271-9634-360602813ee8" providerId="ADAL" clId="{F042BA0F-F1C6-A347-9BFF-1CE82EEC7FF0}" dt="2023-04-19T17:32:22.583" v="554"/>
+        <pc:sldMkLst>
+          <pc:docMk/>
+          <pc:sldMk cId="3152615372" sldId="258"/>
+        </pc:sldMkLst>
+        <pc:spChg chg="del mod ord">
+          <ac:chgData name="William Soper (student)" userId="eb815614-75d7-4271-9634-360602813ee8" providerId="ADAL" clId="{F042BA0F-F1C6-A347-9BFF-1CE82EEC7FF0}" dt="2023-04-17T17:23:29.172" v="15" actId="700"/>
+          <ac:spMkLst>
+            <pc:docMk/>
+            <pc:sldMk cId="3152615372" sldId="258"/>
+            <ac:spMk id="2" creationId="{9E72AF32-C90C-F488-0C77-1F8C2D887F3E}"/>
+          </ac:spMkLst>
+        </pc:spChg>
+        <pc:spChg chg="del mod ord">
+          <ac:chgData name="William Soper (student)" userId="eb815614-75d7-4271-9634-360602813ee8" providerId="ADAL" clId="{F042BA0F-F1C6-A347-9BFF-1CE82EEC7FF0}" dt="2023-04-17T17:23:29.172" v="15" actId="700"/>
+          <ac:spMkLst>
+            <pc:docMk/>
+            <pc:sldMk cId="3152615372" sldId="258"/>
+            <ac:spMk id="3" creationId="{67352674-DB61-CD89-FD80-1B593E4406E4}"/>
+          </ac:spMkLst>
+        </pc:spChg>
+        <pc:spChg chg="add mod ord">
+          <ac:chgData name="William Soper (student)" userId="eb815614-75d7-4271-9634-360602813ee8" providerId="ADAL" clId="{F042BA0F-F1C6-A347-9BFF-1CE82EEC7FF0}" dt="2023-04-17T17:25:25.418" v="86" actId="122"/>
+          <ac:spMkLst>
+            <pc:docMk/>
+            <pc:sldMk cId="3152615372" sldId="258"/>
+            <ac:spMk id="4" creationId="{EC2B269D-9227-03E5-DCB8-888BDD29002D}"/>
+          </ac:spMkLst>
+        </pc:spChg>
+        <pc:spChg chg="add del mod ord">
+          <ac:chgData name="William Soper (student)" userId="eb815614-75d7-4271-9634-360602813ee8" providerId="ADAL" clId="{F042BA0F-F1C6-A347-9BFF-1CE82EEC7FF0}" dt="2023-04-17T17:25:37.104" v="88" actId="478"/>
+          <ac:spMkLst>
+            <pc:docMk/>
+            <pc:sldMk cId="3152615372" sldId="258"/>
+            <ac:spMk id="5" creationId="{9F94CC19-BC91-8E11-6C6E-8DB6273ADF89}"/>
+          </ac:spMkLst>
+        </pc:spChg>
+        <pc:picChg chg="del">
+          <ac:chgData name="William Soper (student)" userId="eb815614-75d7-4271-9634-360602813ee8" providerId="ADAL" clId="{F042BA0F-F1C6-A347-9BFF-1CE82EEC7FF0}" dt="2023-04-17T17:29:03.428" v="111" actId="21"/>
+          <ac:picMkLst>
+            <pc:docMk/>
+            <pc:sldMk cId="3152615372" sldId="258"/>
+            <ac:picMk id="6" creationId="{224B63F7-7AA6-0DA0-83A6-61FFB42523EF}"/>
+          </ac:picMkLst>
+        </pc:picChg>
+        <pc:picChg chg="add mod">
+          <ac:chgData name="William Soper (student)" userId="eb815614-75d7-4271-9634-360602813ee8" providerId="ADAL" clId="{F042BA0F-F1C6-A347-9BFF-1CE82EEC7FF0}" dt="2023-04-17T17:27:12.467" v="100" actId="1076"/>
+          <ac:picMkLst>
+            <pc:docMk/>
+            <pc:sldMk cId="3152615372" sldId="258"/>
+            <ac:picMk id="1026" creationId="{E98B40A0-1362-3955-361D-4C1417A4D32F}"/>
+          </ac:picMkLst>
+        </pc:picChg>
+        <pc:picChg chg="add mod">
+          <ac:chgData name="William Soper (student)" userId="eb815614-75d7-4271-9634-360602813ee8" providerId="ADAL" clId="{F042BA0F-F1C6-A347-9BFF-1CE82EEC7FF0}" dt="2023-04-17T17:27:05.649" v="98" actId="1076"/>
+          <ac:picMkLst>
+            <pc:docMk/>
+            <pc:sldMk cId="3152615372" sldId="258"/>
+            <ac:picMk id="1028" creationId="{74656B71-40DB-50B7-E1E3-C59F235022B2}"/>
+          </ac:picMkLst>
+        </pc:picChg>
+        <pc:picChg chg="add mod">
+          <ac:chgData name="William Soper (student)" userId="eb815614-75d7-4271-9634-360602813ee8" providerId="ADAL" clId="{F042BA0F-F1C6-A347-9BFF-1CE82EEC7FF0}" dt="2023-04-17T17:29:07.644" v="112" actId="1076"/>
+          <ac:picMkLst>
+            <pc:docMk/>
+            <pc:sldMk cId="3152615372" sldId="258"/>
+            <ac:picMk id="1030" creationId="{3A9B251F-137F-4323-8B83-ADC718A6047B}"/>
+          </ac:picMkLst>
+        </pc:picChg>
+      </pc:sldChg>
+      <pc:sldChg chg="modSp modTransition">
+        <pc:chgData name="William Soper (student)" userId="eb815614-75d7-4271-9634-360602813ee8" providerId="ADAL" clId="{F042BA0F-F1C6-A347-9BFF-1CE82EEC7FF0}" dt="2023-04-19T17:25:59.071" v="542"/>
+        <pc:sldMkLst>
+          <pc:docMk/>
+          <pc:sldMk cId="3491338551" sldId="259"/>
+        </pc:sldMkLst>
+        <pc:spChg chg="mod">
+          <ac:chgData name="William Soper (student)" userId="eb815614-75d7-4271-9634-360602813ee8" providerId="ADAL" clId="{F042BA0F-F1C6-A347-9BFF-1CE82EEC7FF0}" dt="2023-04-17T17:29:25.644" v="120" actId="20577"/>
+          <ac:spMkLst>
+            <pc:docMk/>
+            <pc:sldMk cId="3491338551" sldId="259"/>
+            <ac:spMk id="2" creationId="{0806FD74-8DED-7516-8C01-F5061AAD2E44}"/>
+          </ac:spMkLst>
+        </pc:spChg>
+      </pc:sldChg>
+      <pc:sldChg chg="addSp modSp mod modTransition">
+        <pc:chgData name="William Soper (student)" userId="eb815614-75d7-4271-9634-360602813ee8" providerId="ADAL" clId="{F042BA0F-F1C6-A347-9BFF-1CE82EEC7FF0}" dt="2023-04-19T17:33:49" v="567"/>
+        <pc:sldMkLst>
+          <pc:docMk/>
+          <pc:sldMk cId="2859360696" sldId="260"/>
+        </pc:sldMkLst>
+        <pc:spChg chg="mod">
+          <ac:chgData name="William Soper (student)" userId="eb815614-75d7-4271-9634-360602813ee8" providerId="ADAL" clId="{F042BA0F-F1C6-A347-9BFF-1CE82EEC7FF0}" dt="2023-04-17T17:35:12.772" v="473" actId="20577"/>
+          <ac:spMkLst>
+            <pc:docMk/>
+            <pc:sldMk cId="2859360696" sldId="260"/>
+            <ac:spMk id="3" creationId="{DA0461D2-390F-2E65-5914-481F2864690F}"/>
+          </ac:spMkLst>
+        </pc:spChg>
+        <pc:picChg chg="add mod">
+          <ac:chgData name="William Soper (student)" userId="eb815614-75d7-4271-9634-360602813ee8" providerId="ADAL" clId="{F042BA0F-F1C6-A347-9BFF-1CE82EEC7FF0}" dt="2023-04-17T17:38:37.262" v="485" actId="1076"/>
+          <ac:picMkLst>
+            <pc:docMk/>
+            <pc:sldMk cId="2859360696" sldId="260"/>
+            <ac:picMk id="2050" creationId="{3C876737-A688-4F49-3881-9D95FDF49838}"/>
+          </ac:picMkLst>
+        </pc:picChg>
+        <pc:picChg chg="add mod">
+          <ac:chgData name="William Soper (student)" userId="eb815614-75d7-4271-9634-360602813ee8" providerId="ADAL" clId="{F042BA0F-F1C6-A347-9BFF-1CE82EEC7FF0}" dt="2023-04-17T17:39:01.431" v="492" actId="1076"/>
+          <ac:picMkLst>
+            <pc:docMk/>
+            <pc:sldMk cId="2859360696" sldId="260"/>
+            <ac:picMk id="3074" creationId="{1B2FF520-D866-8C5D-CEF0-786DE34BAB2A}"/>
+          </ac:picMkLst>
+        </pc:picChg>
+        <pc:picChg chg="add mod">
+          <ac:chgData name="William Soper (student)" userId="eb815614-75d7-4271-9634-360602813ee8" providerId="ADAL" clId="{F042BA0F-F1C6-A347-9BFF-1CE82EEC7FF0}" dt="2023-04-17T17:38:57.197" v="491" actId="1076"/>
+          <ac:picMkLst>
+            <pc:docMk/>
+            <pc:sldMk cId="2859360696" sldId="260"/>
+            <ac:picMk id="3076" creationId="{751A4028-FE66-95BB-851F-F14C92DF108A}"/>
+          </ac:picMkLst>
+        </pc:picChg>
+      </pc:sldChg>
+      <pc:sldChg chg="addSp delSp modSp mod modTransition">
+        <pc:chgData name="William Soper (student)" userId="eb815614-75d7-4271-9634-360602813ee8" providerId="ADAL" clId="{F042BA0F-F1C6-A347-9BFF-1CE82EEC7FF0}" dt="2023-04-19T17:34:11.786" v="568"/>
+        <pc:sldMkLst>
+          <pc:docMk/>
+          <pc:sldMk cId="101454480" sldId="261"/>
+        </pc:sldMkLst>
+        <pc:spChg chg="del">
+          <ac:chgData name="William Soper (student)" userId="eb815614-75d7-4271-9634-360602813ee8" providerId="ADAL" clId="{F042BA0F-F1C6-A347-9BFF-1CE82EEC7FF0}" dt="2023-04-19T17:08:26.481" v="494" actId="931"/>
+          <ac:spMkLst>
+            <pc:docMk/>
+            <pc:sldMk cId="101454480" sldId="261"/>
+            <ac:spMk id="3" creationId="{4D4E04FA-90A7-95CB-8787-6C0594998AE0}"/>
+          </ac:spMkLst>
+        </pc:spChg>
+        <pc:picChg chg="add mod">
+          <ac:chgData name="William Soper (student)" userId="eb815614-75d7-4271-9634-360602813ee8" providerId="ADAL" clId="{F042BA0F-F1C6-A347-9BFF-1CE82EEC7FF0}" dt="2023-04-19T17:09:26.614" v="510" actId="14100"/>
+          <ac:picMkLst>
+            <pc:docMk/>
+            <pc:sldMk cId="101454480" sldId="261"/>
+            <ac:picMk id="5" creationId="{2A03598C-A518-7813-4018-9EE9E30ED3DB}"/>
+          </ac:picMkLst>
+        </pc:picChg>
+        <pc:picChg chg="add mod">
+          <ac:chgData name="William Soper (student)" userId="eb815614-75d7-4271-9634-360602813ee8" providerId="ADAL" clId="{F042BA0F-F1C6-A347-9BFF-1CE82EEC7FF0}" dt="2023-04-19T17:09:16.976" v="507" actId="1076"/>
+          <ac:picMkLst>
+            <pc:docMk/>
+            <pc:sldMk cId="101454480" sldId="261"/>
+            <ac:picMk id="7" creationId="{6538A146-12E4-801C-3A4F-940BF59AA7B2}"/>
+          </ac:picMkLst>
+        </pc:picChg>
+      </pc:sldChg>
+      <pc:sldChg chg="addSp delSp modSp mod modTransition">
+        <pc:chgData name="William Soper (student)" userId="eb815614-75d7-4271-9634-360602813ee8" providerId="ADAL" clId="{F042BA0F-F1C6-A347-9BFF-1CE82EEC7FF0}" dt="2023-04-19T17:34:19.669" v="569"/>
+        <pc:sldMkLst>
+          <pc:docMk/>
+          <pc:sldMk cId="3808086219" sldId="262"/>
+        </pc:sldMkLst>
+        <pc:spChg chg="del">
+          <ac:chgData name="William Soper (student)" userId="eb815614-75d7-4271-9634-360602813ee8" providerId="ADAL" clId="{F042BA0F-F1C6-A347-9BFF-1CE82EEC7FF0}" dt="2023-04-19T17:09:42.506" v="511" actId="931"/>
+          <ac:spMkLst>
+            <pc:docMk/>
+            <pc:sldMk cId="3808086219" sldId="262"/>
+            <ac:spMk id="4" creationId="{02ABDCC1-884D-604C-92FE-BA61A3E710F1}"/>
+          </ac:spMkLst>
+        </pc:spChg>
+        <pc:picChg chg="add mod">
+          <ac:chgData name="William Soper (student)" userId="eb815614-75d7-4271-9634-360602813ee8" providerId="ADAL" clId="{F042BA0F-F1C6-A347-9BFF-1CE82EEC7FF0}" dt="2023-04-19T17:09:58.682" v="516" actId="1076"/>
+          <ac:picMkLst>
+            <pc:docMk/>
+            <pc:sldMk cId="3808086219" sldId="262"/>
+            <ac:picMk id="6" creationId="{3F6B2E2B-F899-159B-84AB-50957BEC59BC}"/>
+          </ac:picMkLst>
+        </pc:picChg>
+      </pc:sldChg>
+    </pc:docChg>
+  </pc:docChgLst>
+  <pc:docChgLst>
     <pc:chgData name="Darnell Ford (student)" userId="S::darnell.ford@my.utsa.edu::60e3d762-46e2-4dc7-b2a6-4e9d10b38edb" providerId="AD" clId="Web-{E1A6623D-ACB2-4B85-8BCD-4AFDEEC841E8}"/>
     <pc:docChg chg="addSld modSld sldOrd addMainMaster delMainMaster">
       <pc:chgData name="Darnell Ford (student)" userId="S::darnell.ford@my.utsa.edu::60e3d762-46e2-4dc7-b2a6-4e9d10b38edb" providerId="AD" clId="Web-{E1A6623D-ACB2-4B85-8BCD-4AFDEEC841E8}" dt="2023-04-17T17:45:03.871" v="165" actId="20577"/>
@@ -976,304 +1274,6 @@
     </pc:docChg>
   </pc:docChgLst>
   <pc:docChgLst>
-    <pc:chgData name="William Soper (student)" userId="eb815614-75d7-4271-9634-360602813ee8" providerId="ADAL" clId="{F042BA0F-F1C6-A347-9BFF-1CE82EEC7FF0}"/>
-    <pc:docChg chg="custSel modSld">
-      <pc:chgData name="William Soper (student)" userId="eb815614-75d7-4271-9634-360602813ee8" providerId="ADAL" clId="{F042BA0F-F1C6-A347-9BFF-1CE82EEC7FF0}" dt="2023-04-19T17:34:19.669" v="569"/>
-      <pc:docMkLst>
-        <pc:docMk/>
-      </pc:docMkLst>
-      <pc:sldChg chg="addSp delSp modSp mod setBg">
-        <pc:chgData name="William Soper (student)" userId="eb815614-75d7-4271-9634-360602813ee8" providerId="ADAL" clId="{F042BA0F-F1C6-A347-9BFF-1CE82EEC7FF0}" dt="2023-04-19T17:24:24.624" v="517" actId="26606"/>
-        <pc:sldMkLst>
-          <pc:docMk/>
-          <pc:sldMk cId="109857222" sldId="256"/>
-        </pc:sldMkLst>
-        <pc:spChg chg="mod">
-          <ac:chgData name="William Soper (student)" userId="eb815614-75d7-4271-9634-360602813ee8" providerId="ADAL" clId="{F042BA0F-F1C6-A347-9BFF-1CE82EEC7FF0}" dt="2023-04-19T17:24:24.624" v="517" actId="26606"/>
-          <ac:spMkLst>
-            <pc:docMk/>
-            <pc:sldMk cId="109857222" sldId="256"/>
-            <ac:spMk id="2" creationId="{00000000-0000-0000-0000-000000000000}"/>
-          </ac:spMkLst>
-        </pc:spChg>
-        <pc:spChg chg="mod">
-          <ac:chgData name="William Soper (student)" userId="eb815614-75d7-4271-9634-360602813ee8" providerId="ADAL" clId="{F042BA0F-F1C6-A347-9BFF-1CE82EEC7FF0}" dt="2023-04-19T17:24:24.624" v="517" actId="26606"/>
-          <ac:spMkLst>
-            <pc:docMk/>
-            <pc:sldMk cId="109857222" sldId="256"/>
-            <ac:spMk id="3" creationId="{00000000-0000-0000-0000-000000000000}"/>
-          </ac:spMkLst>
-        </pc:spChg>
-        <pc:spChg chg="del">
-          <ac:chgData name="William Soper (student)" userId="eb815614-75d7-4271-9634-360602813ee8" providerId="ADAL" clId="{F042BA0F-F1C6-A347-9BFF-1CE82EEC7FF0}" dt="2023-04-19T17:24:24.624" v="517" actId="26606"/>
-          <ac:spMkLst>
-            <pc:docMk/>
-            <pc:sldMk cId="109857222" sldId="256"/>
-            <ac:spMk id="8" creationId="{DEF92653-5D6D-47E6-8744-0DAF76E049C4}"/>
-          </ac:spMkLst>
-        </pc:spChg>
-        <pc:spChg chg="add">
-          <ac:chgData name="William Soper (student)" userId="eb815614-75d7-4271-9634-360602813ee8" providerId="ADAL" clId="{F042BA0F-F1C6-A347-9BFF-1CE82EEC7FF0}" dt="2023-04-19T17:24:24.624" v="517" actId="26606"/>
-          <ac:spMkLst>
-            <pc:docMk/>
-            <pc:sldMk cId="109857222" sldId="256"/>
-            <ac:spMk id="15" creationId="{33E93247-6229-44AB-A550-739E971E690B}"/>
-          </ac:spMkLst>
-        </pc:spChg>
-        <pc:spChg chg="add">
-          <ac:chgData name="William Soper (student)" userId="eb815614-75d7-4271-9634-360602813ee8" providerId="ADAL" clId="{F042BA0F-F1C6-A347-9BFF-1CE82EEC7FF0}" dt="2023-04-19T17:24:24.624" v="517" actId="26606"/>
-          <ac:spMkLst>
-            <pc:docMk/>
-            <pc:sldMk cId="109857222" sldId="256"/>
-            <ac:spMk id="17" creationId="{6BB6B482-ACCA-4938-8AEA-49D525C17221}"/>
-          </ac:spMkLst>
-        </pc:spChg>
-        <pc:picChg chg="del">
-          <ac:chgData name="William Soper (student)" userId="eb815614-75d7-4271-9634-360602813ee8" providerId="ADAL" clId="{F042BA0F-F1C6-A347-9BFF-1CE82EEC7FF0}" dt="2023-04-17T17:35:34.430" v="475" actId="478"/>
-          <ac:picMkLst>
-            <pc:docMk/>
-            <pc:sldMk cId="109857222" sldId="256"/>
-            <ac:picMk id="6" creationId="{B48D6717-BDC0-2670-F14D-0557F7C5E67B}"/>
-          </ac:picMkLst>
-        </pc:picChg>
-        <pc:picChg chg="del">
-          <ac:chgData name="William Soper (student)" userId="eb815614-75d7-4271-9634-360602813ee8" providerId="ADAL" clId="{F042BA0F-F1C6-A347-9BFF-1CE82EEC7FF0}" dt="2023-04-17T17:35:23.581" v="474" actId="478"/>
-          <ac:picMkLst>
-            <pc:docMk/>
-            <pc:sldMk cId="109857222" sldId="256"/>
-            <ac:picMk id="7" creationId="{58FB3B13-DCC6-75B4-78B0-83635CFA45A0}"/>
-          </ac:picMkLst>
-        </pc:picChg>
-        <pc:picChg chg="del">
-          <ac:chgData name="William Soper (student)" userId="eb815614-75d7-4271-9634-360602813ee8" providerId="ADAL" clId="{F042BA0F-F1C6-A347-9BFF-1CE82EEC7FF0}" dt="2023-04-19T17:07:25.132" v="493" actId="478"/>
-          <ac:picMkLst>
-            <pc:docMk/>
-            <pc:sldMk cId="109857222" sldId="256"/>
-            <ac:picMk id="11" creationId="{8EBF4BC2-6D11-4DE6-B0CD-DD351DD253C1}"/>
-          </ac:picMkLst>
-        </pc:picChg>
-        <pc:picChg chg="add">
-          <ac:chgData name="William Soper (student)" userId="eb815614-75d7-4271-9634-360602813ee8" providerId="ADAL" clId="{F042BA0F-F1C6-A347-9BFF-1CE82EEC7FF0}" dt="2023-04-19T17:24:24.624" v="517" actId="26606"/>
-          <ac:picMkLst>
-            <pc:docMk/>
-            <pc:sldMk cId="109857222" sldId="256"/>
-            <ac:picMk id="16" creationId="{3E2541B2-2DB7-0C06-E535-8B6A2CF20228}"/>
-          </ac:picMkLst>
-        </pc:picChg>
-        <pc:cxnChg chg="del">
-          <ac:chgData name="William Soper (student)" userId="eb815614-75d7-4271-9634-360602813ee8" providerId="ADAL" clId="{F042BA0F-F1C6-A347-9BFF-1CE82EEC7FF0}" dt="2023-04-19T17:24:24.624" v="517" actId="26606"/>
-          <ac:cxnSpMkLst>
-            <pc:docMk/>
-            <pc:sldMk cId="109857222" sldId="256"/>
-            <ac:cxnSpMk id="10" creationId="{9CA98CE3-81A7-4FFE-A047-9AA65998D877}"/>
-          </ac:cxnSpMkLst>
-        </pc:cxnChg>
-        <pc:cxnChg chg="del">
-          <ac:chgData name="William Soper (student)" userId="eb815614-75d7-4271-9634-360602813ee8" providerId="ADAL" clId="{F042BA0F-F1C6-A347-9BFF-1CE82EEC7FF0}" dt="2023-04-19T17:24:24.624" v="517" actId="26606"/>
-          <ac:cxnSpMkLst>
-            <pc:docMk/>
-            <pc:sldMk cId="109857222" sldId="256"/>
-            <ac:cxnSpMk id="12" creationId="{18D91C2B-BDB9-49BE-9C44-E0CFE597ABFE}"/>
-          </ac:cxnSpMkLst>
-        </pc:cxnChg>
-        <pc:cxnChg chg="add">
-          <ac:chgData name="William Soper (student)" userId="eb815614-75d7-4271-9634-360602813ee8" providerId="ADAL" clId="{F042BA0F-F1C6-A347-9BFF-1CE82EEC7FF0}" dt="2023-04-19T17:24:24.624" v="517" actId="26606"/>
-          <ac:cxnSpMkLst>
-            <pc:docMk/>
-            <pc:sldMk cId="109857222" sldId="256"/>
-            <ac:cxnSpMk id="19" creationId="{EE2E603F-4A95-4FE8-BB06-211DFD75DBEF}"/>
-          </ac:cxnSpMkLst>
-        </pc:cxnChg>
-      </pc:sldChg>
-      <pc:sldChg chg="modTransition">
-        <pc:chgData name="William Soper (student)" userId="eb815614-75d7-4271-9634-360602813ee8" providerId="ADAL" clId="{F042BA0F-F1C6-A347-9BFF-1CE82EEC7FF0}" dt="2023-04-19T17:33:28.100" v="565"/>
-        <pc:sldMkLst>
-          <pc:docMk/>
-          <pc:sldMk cId="3354035731" sldId="257"/>
-        </pc:sldMkLst>
-      </pc:sldChg>
-      <pc:sldChg chg="addSp delSp modSp mod modTransition setBg chgLayout">
-        <pc:chgData name="William Soper (student)" userId="eb815614-75d7-4271-9634-360602813ee8" providerId="ADAL" clId="{F042BA0F-F1C6-A347-9BFF-1CE82EEC7FF0}" dt="2023-04-19T17:32:22.583" v="554"/>
-        <pc:sldMkLst>
-          <pc:docMk/>
-          <pc:sldMk cId="3152615372" sldId="258"/>
-        </pc:sldMkLst>
-        <pc:spChg chg="del mod ord">
-          <ac:chgData name="William Soper (student)" userId="eb815614-75d7-4271-9634-360602813ee8" providerId="ADAL" clId="{F042BA0F-F1C6-A347-9BFF-1CE82EEC7FF0}" dt="2023-04-17T17:23:29.172" v="15" actId="700"/>
-          <ac:spMkLst>
-            <pc:docMk/>
-            <pc:sldMk cId="3152615372" sldId="258"/>
-            <ac:spMk id="2" creationId="{9E72AF32-C90C-F488-0C77-1F8C2D887F3E}"/>
-          </ac:spMkLst>
-        </pc:spChg>
-        <pc:spChg chg="del mod ord">
-          <ac:chgData name="William Soper (student)" userId="eb815614-75d7-4271-9634-360602813ee8" providerId="ADAL" clId="{F042BA0F-F1C6-A347-9BFF-1CE82EEC7FF0}" dt="2023-04-17T17:23:29.172" v="15" actId="700"/>
-          <ac:spMkLst>
-            <pc:docMk/>
-            <pc:sldMk cId="3152615372" sldId="258"/>
-            <ac:spMk id="3" creationId="{67352674-DB61-CD89-FD80-1B593E4406E4}"/>
-          </ac:spMkLst>
-        </pc:spChg>
-        <pc:spChg chg="add mod ord">
-          <ac:chgData name="William Soper (student)" userId="eb815614-75d7-4271-9634-360602813ee8" providerId="ADAL" clId="{F042BA0F-F1C6-A347-9BFF-1CE82EEC7FF0}" dt="2023-04-17T17:25:25.418" v="86" actId="122"/>
-          <ac:spMkLst>
-            <pc:docMk/>
-            <pc:sldMk cId="3152615372" sldId="258"/>
-            <ac:spMk id="4" creationId="{EC2B269D-9227-03E5-DCB8-888BDD29002D}"/>
-          </ac:spMkLst>
-        </pc:spChg>
-        <pc:spChg chg="add del mod ord">
-          <ac:chgData name="William Soper (student)" userId="eb815614-75d7-4271-9634-360602813ee8" providerId="ADAL" clId="{F042BA0F-F1C6-A347-9BFF-1CE82EEC7FF0}" dt="2023-04-17T17:25:37.104" v="88" actId="478"/>
-          <ac:spMkLst>
-            <pc:docMk/>
-            <pc:sldMk cId="3152615372" sldId="258"/>
-            <ac:spMk id="5" creationId="{9F94CC19-BC91-8E11-6C6E-8DB6273ADF89}"/>
-          </ac:spMkLst>
-        </pc:spChg>
-        <pc:picChg chg="del">
-          <ac:chgData name="William Soper (student)" userId="eb815614-75d7-4271-9634-360602813ee8" providerId="ADAL" clId="{F042BA0F-F1C6-A347-9BFF-1CE82EEC7FF0}" dt="2023-04-17T17:29:03.428" v="111" actId="21"/>
-          <ac:picMkLst>
-            <pc:docMk/>
-            <pc:sldMk cId="3152615372" sldId="258"/>
-            <ac:picMk id="6" creationId="{224B63F7-7AA6-0DA0-83A6-61FFB42523EF}"/>
-          </ac:picMkLst>
-        </pc:picChg>
-        <pc:picChg chg="add mod">
-          <ac:chgData name="William Soper (student)" userId="eb815614-75d7-4271-9634-360602813ee8" providerId="ADAL" clId="{F042BA0F-F1C6-A347-9BFF-1CE82EEC7FF0}" dt="2023-04-17T17:27:12.467" v="100" actId="1076"/>
-          <ac:picMkLst>
-            <pc:docMk/>
-            <pc:sldMk cId="3152615372" sldId="258"/>
-            <ac:picMk id="1026" creationId="{E98B40A0-1362-3955-361D-4C1417A4D32F}"/>
-          </ac:picMkLst>
-        </pc:picChg>
-        <pc:picChg chg="add mod">
-          <ac:chgData name="William Soper (student)" userId="eb815614-75d7-4271-9634-360602813ee8" providerId="ADAL" clId="{F042BA0F-F1C6-A347-9BFF-1CE82EEC7FF0}" dt="2023-04-17T17:27:05.649" v="98" actId="1076"/>
-          <ac:picMkLst>
-            <pc:docMk/>
-            <pc:sldMk cId="3152615372" sldId="258"/>
-            <ac:picMk id="1028" creationId="{74656B71-40DB-50B7-E1E3-C59F235022B2}"/>
-          </ac:picMkLst>
-        </pc:picChg>
-        <pc:picChg chg="add mod">
-          <ac:chgData name="William Soper (student)" userId="eb815614-75d7-4271-9634-360602813ee8" providerId="ADAL" clId="{F042BA0F-F1C6-A347-9BFF-1CE82EEC7FF0}" dt="2023-04-17T17:29:07.644" v="112" actId="1076"/>
-          <ac:picMkLst>
-            <pc:docMk/>
-            <pc:sldMk cId="3152615372" sldId="258"/>
-            <ac:picMk id="1030" creationId="{3A9B251F-137F-4323-8B83-ADC718A6047B}"/>
-          </ac:picMkLst>
-        </pc:picChg>
-      </pc:sldChg>
-      <pc:sldChg chg="modSp modTransition">
-        <pc:chgData name="William Soper (student)" userId="eb815614-75d7-4271-9634-360602813ee8" providerId="ADAL" clId="{F042BA0F-F1C6-A347-9BFF-1CE82EEC7FF0}" dt="2023-04-19T17:25:59.071" v="542"/>
-        <pc:sldMkLst>
-          <pc:docMk/>
-          <pc:sldMk cId="3491338551" sldId="259"/>
-        </pc:sldMkLst>
-        <pc:spChg chg="mod">
-          <ac:chgData name="William Soper (student)" userId="eb815614-75d7-4271-9634-360602813ee8" providerId="ADAL" clId="{F042BA0F-F1C6-A347-9BFF-1CE82EEC7FF0}" dt="2023-04-17T17:29:25.644" v="120" actId="20577"/>
-          <ac:spMkLst>
-            <pc:docMk/>
-            <pc:sldMk cId="3491338551" sldId="259"/>
-            <ac:spMk id="2" creationId="{0806FD74-8DED-7516-8C01-F5061AAD2E44}"/>
-          </ac:spMkLst>
-        </pc:spChg>
-      </pc:sldChg>
-      <pc:sldChg chg="addSp modSp mod modTransition">
-        <pc:chgData name="William Soper (student)" userId="eb815614-75d7-4271-9634-360602813ee8" providerId="ADAL" clId="{F042BA0F-F1C6-A347-9BFF-1CE82EEC7FF0}" dt="2023-04-19T17:33:49" v="567"/>
-        <pc:sldMkLst>
-          <pc:docMk/>
-          <pc:sldMk cId="2859360696" sldId="260"/>
-        </pc:sldMkLst>
-        <pc:spChg chg="mod">
-          <ac:chgData name="William Soper (student)" userId="eb815614-75d7-4271-9634-360602813ee8" providerId="ADAL" clId="{F042BA0F-F1C6-A347-9BFF-1CE82EEC7FF0}" dt="2023-04-17T17:35:12.772" v="473" actId="20577"/>
-          <ac:spMkLst>
-            <pc:docMk/>
-            <pc:sldMk cId="2859360696" sldId="260"/>
-            <ac:spMk id="3" creationId="{DA0461D2-390F-2E65-5914-481F2864690F}"/>
-          </ac:spMkLst>
-        </pc:spChg>
-        <pc:picChg chg="add mod">
-          <ac:chgData name="William Soper (student)" userId="eb815614-75d7-4271-9634-360602813ee8" providerId="ADAL" clId="{F042BA0F-F1C6-A347-9BFF-1CE82EEC7FF0}" dt="2023-04-17T17:38:37.262" v="485" actId="1076"/>
-          <ac:picMkLst>
-            <pc:docMk/>
-            <pc:sldMk cId="2859360696" sldId="260"/>
-            <ac:picMk id="2050" creationId="{3C876737-A688-4F49-3881-9D95FDF49838}"/>
-          </ac:picMkLst>
-        </pc:picChg>
-        <pc:picChg chg="add mod">
-          <ac:chgData name="William Soper (student)" userId="eb815614-75d7-4271-9634-360602813ee8" providerId="ADAL" clId="{F042BA0F-F1C6-A347-9BFF-1CE82EEC7FF0}" dt="2023-04-17T17:39:01.431" v="492" actId="1076"/>
-          <ac:picMkLst>
-            <pc:docMk/>
-            <pc:sldMk cId="2859360696" sldId="260"/>
-            <ac:picMk id="3074" creationId="{1B2FF520-D866-8C5D-CEF0-786DE34BAB2A}"/>
-          </ac:picMkLst>
-        </pc:picChg>
-        <pc:picChg chg="add mod">
-          <ac:chgData name="William Soper (student)" userId="eb815614-75d7-4271-9634-360602813ee8" providerId="ADAL" clId="{F042BA0F-F1C6-A347-9BFF-1CE82EEC7FF0}" dt="2023-04-17T17:38:57.197" v="491" actId="1076"/>
-          <ac:picMkLst>
-            <pc:docMk/>
-            <pc:sldMk cId="2859360696" sldId="260"/>
-            <ac:picMk id="3076" creationId="{751A4028-FE66-95BB-851F-F14C92DF108A}"/>
-          </ac:picMkLst>
-        </pc:picChg>
-      </pc:sldChg>
-      <pc:sldChg chg="addSp delSp modSp mod modTransition">
-        <pc:chgData name="William Soper (student)" userId="eb815614-75d7-4271-9634-360602813ee8" providerId="ADAL" clId="{F042BA0F-F1C6-A347-9BFF-1CE82EEC7FF0}" dt="2023-04-19T17:34:11.786" v="568"/>
-        <pc:sldMkLst>
-          <pc:docMk/>
-          <pc:sldMk cId="101454480" sldId="261"/>
-        </pc:sldMkLst>
-        <pc:spChg chg="del">
-          <ac:chgData name="William Soper (student)" userId="eb815614-75d7-4271-9634-360602813ee8" providerId="ADAL" clId="{F042BA0F-F1C6-A347-9BFF-1CE82EEC7FF0}" dt="2023-04-19T17:08:26.481" v="494" actId="931"/>
-          <ac:spMkLst>
-            <pc:docMk/>
-            <pc:sldMk cId="101454480" sldId="261"/>
-            <ac:spMk id="3" creationId="{4D4E04FA-90A7-95CB-8787-6C0594998AE0}"/>
-          </ac:spMkLst>
-        </pc:spChg>
-        <pc:picChg chg="add mod">
-          <ac:chgData name="William Soper (student)" userId="eb815614-75d7-4271-9634-360602813ee8" providerId="ADAL" clId="{F042BA0F-F1C6-A347-9BFF-1CE82EEC7FF0}" dt="2023-04-19T17:09:26.614" v="510" actId="14100"/>
-          <ac:picMkLst>
-            <pc:docMk/>
-            <pc:sldMk cId="101454480" sldId="261"/>
-            <ac:picMk id="5" creationId="{2A03598C-A518-7813-4018-9EE9E30ED3DB}"/>
-          </ac:picMkLst>
-        </pc:picChg>
-        <pc:picChg chg="add mod">
-          <ac:chgData name="William Soper (student)" userId="eb815614-75d7-4271-9634-360602813ee8" providerId="ADAL" clId="{F042BA0F-F1C6-A347-9BFF-1CE82EEC7FF0}" dt="2023-04-19T17:09:16.976" v="507" actId="1076"/>
-          <ac:picMkLst>
-            <pc:docMk/>
-            <pc:sldMk cId="101454480" sldId="261"/>
-            <ac:picMk id="7" creationId="{6538A146-12E4-801C-3A4F-940BF59AA7B2}"/>
-          </ac:picMkLst>
-        </pc:picChg>
-      </pc:sldChg>
-      <pc:sldChg chg="addSp delSp modSp mod modTransition">
-        <pc:chgData name="William Soper (student)" userId="eb815614-75d7-4271-9634-360602813ee8" providerId="ADAL" clId="{F042BA0F-F1C6-A347-9BFF-1CE82EEC7FF0}" dt="2023-04-19T17:34:19.669" v="569"/>
-        <pc:sldMkLst>
-          <pc:docMk/>
-          <pc:sldMk cId="3808086219" sldId="262"/>
-        </pc:sldMkLst>
-        <pc:spChg chg="del">
-          <ac:chgData name="William Soper (student)" userId="eb815614-75d7-4271-9634-360602813ee8" providerId="ADAL" clId="{F042BA0F-F1C6-A347-9BFF-1CE82EEC7FF0}" dt="2023-04-19T17:09:42.506" v="511" actId="931"/>
-          <ac:spMkLst>
-            <pc:docMk/>
-            <pc:sldMk cId="3808086219" sldId="262"/>
-            <ac:spMk id="4" creationId="{02ABDCC1-884D-604C-92FE-BA61A3E710F1}"/>
-          </ac:spMkLst>
-        </pc:spChg>
-        <pc:picChg chg="add mod">
-          <ac:chgData name="William Soper (student)" userId="eb815614-75d7-4271-9634-360602813ee8" providerId="ADAL" clId="{F042BA0F-F1C6-A347-9BFF-1CE82EEC7FF0}" dt="2023-04-19T17:09:58.682" v="516" actId="1076"/>
-          <ac:picMkLst>
-            <pc:docMk/>
-            <pc:sldMk cId="3808086219" sldId="262"/>
-            <ac:picMk id="6" creationId="{3F6B2E2B-F899-159B-84AB-50957BEC59BC}"/>
-          </ac:picMkLst>
-        </pc:picChg>
-      </pc:sldChg>
-    </pc:docChg>
-  </pc:docChgLst>
-  <pc:docChgLst>
     <pc:chgData name="Darnell Ford (student)" userId="S::darnell.ford@my.utsa.edu::60e3d762-46e2-4dc7-b2a6-4e9d10b38edb" providerId="AD" clId="Web-{7DBE37F1-36B9-80DE-2D3B-3918251C8D4F}"/>
     <pc:docChg chg="modSld">
       <pc:chgData name="Darnell Ford (student)" userId="S::darnell.ford@my.utsa.edu::60e3d762-46e2-4dc7-b2a6-4e9d10b38edb" providerId="AD" clId="Web-{7DBE37F1-36B9-80DE-2D3B-3918251C8D4F}" dt="2023-04-19T03:27:49.269" v="6" actId="20577"/>
@@ -1315,7 +1315,7 @@
   <pc:docChgLst>
     <pc:chgData name="Darnell Ford (student)" userId="60e3d762-46e2-4dc7-b2a6-4e9d10b38edb" providerId="ADAL" clId="{CDCF51ED-15B4-DF42-B508-006B84488BF0}"/>
     <pc:docChg chg="undo redo custSel modSld">
-      <pc:chgData name="Darnell Ford (student)" userId="60e3d762-46e2-4dc7-b2a6-4e9d10b38edb" providerId="ADAL" clId="{CDCF51ED-15B4-DF42-B508-006B84488BF0}" dt="2023-04-23T03:23:08.465" v="1488" actId="1076"/>
+      <pc:chgData name="Darnell Ford (student)" userId="60e3d762-46e2-4dc7-b2a6-4e9d10b38edb" providerId="ADAL" clId="{CDCF51ED-15B4-DF42-B508-006B84488BF0}" dt="2023-04-23T19:08:25.014" v="2488" actId="1076"/>
       <pc:docMkLst>
         <pc:docMk/>
       </pc:docMkLst>
@@ -1389,8 +1389,135 @@
           </ac:spMkLst>
         </pc:spChg>
       </pc:sldChg>
+      <pc:sldChg chg="addSp delSp modSp mod setBg setClrOvrMap">
+        <pc:chgData name="Darnell Ford (student)" userId="60e3d762-46e2-4dc7-b2a6-4e9d10b38edb" providerId="ADAL" clId="{CDCF51ED-15B4-DF42-B508-006B84488BF0}" dt="2023-04-23T19:08:25.014" v="2488" actId="1076"/>
+        <pc:sldMkLst>
+          <pc:docMk/>
+          <pc:sldMk cId="3152615372" sldId="258"/>
+        </pc:sldMkLst>
+        <pc:spChg chg="mod">
+          <ac:chgData name="Darnell Ford (student)" userId="60e3d762-46e2-4dc7-b2a6-4e9d10b38edb" providerId="ADAL" clId="{CDCF51ED-15B4-DF42-B508-006B84488BF0}" dt="2023-04-23T19:08:04.285" v="2485" actId="26606"/>
+          <ac:spMkLst>
+            <pc:docMk/>
+            <pc:sldMk cId="3152615372" sldId="258"/>
+            <ac:spMk id="4" creationId="{EC2B269D-9227-03E5-DCB8-888BDD29002D}"/>
+          </ac:spMkLst>
+        </pc:spChg>
+        <pc:spChg chg="add del">
+          <ac:chgData name="Darnell Ford (student)" userId="60e3d762-46e2-4dc7-b2a6-4e9d10b38edb" providerId="ADAL" clId="{CDCF51ED-15B4-DF42-B508-006B84488BF0}" dt="2023-04-23T19:08:02.759" v="2482" actId="26606"/>
+          <ac:spMkLst>
+            <pc:docMk/>
+            <pc:sldMk cId="3152615372" sldId="258"/>
+            <ac:spMk id="1037" creationId="{64711B52-BC3A-4E9F-A02F-6A7731F8ED58}"/>
+          </ac:spMkLst>
+        </pc:spChg>
+        <pc:spChg chg="add del">
+          <ac:chgData name="Darnell Ford (student)" userId="60e3d762-46e2-4dc7-b2a6-4e9d10b38edb" providerId="ADAL" clId="{CDCF51ED-15B4-DF42-B508-006B84488BF0}" dt="2023-04-23T19:08:04.215" v="2484" actId="26606"/>
+          <ac:spMkLst>
+            <pc:docMk/>
+            <pc:sldMk cId="3152615372" sldId="258"/>
+            <ac:spMk id="1039" creationId="{C93C87AB-E50E-4BCB-A91F-09DD6A3479C4}"/>
+          </ac:spMkLst>
+        </pc:spChg>
+        <pc:spChg chg="add del">
+          <ac:chgData name="Darnell Ford (student)" userId="60e3d762-46e2-4dc7-b2a6-4e9d10b38edb" providerId="ADAL" clId="{CDCF51ED-15B4-DF42-B508-006B84488BF0}" dt="2023-04-23T19:08:04.215" v="2484" actId="26606"/>
+          <ac:spMkLst>
+            <pc:docMk/>
+            <pc:sldMk cId="3152615372" sldId="258"/>
+            <ac:spMk id="1040" creationId="{D9D9D0AB-1E2F-44A8-B9C6-FA4098301883}"/>
+          </ac:spMkLst>
+        </pc:spChg>
+        <pc:spChg chg="add del">
+          <ac:chgData name="Darnell Ford (student)" userId="60e3d762-46e2-4dc7-b2a6-4e9d10b38edb" providerId="ADAL" clId="{CDCF51ED-15B4-DF42-B508-006B84488BF0}" dt="2023-04-23T19:08:04.215" v="2484" actId="26606"/>
+          <ac:spMkLst>
+            <pc:docMk/>
+            <pc:sldMk cId="3152615372" sldId="258"/>
+            <ac:spMk id="1041" creationId="{9DC3C9DC-A64F-4BCA-8AF4-5AF06BD38FD7}"/>
+          </ac:spMkLst>
+        </pc:spChg>
+        <pc:spChg chg="add del">
+          <ac:chgData name="Darnell Ford (student)" userId="60e3d762-46e2-4dc7-b2a6-4e9d10b38edb" providerId="ADAL" clId="{CDCF51ED-15B4-DF42-B508-006B84488BF0}" dt="2023-04-23T19:08:04.215" v="2484" actId="26606"/>
+          <ac:spMkLst>
+            <pc:docMk/>
+            <pc:sldMk cId="3152615372" sldId="258"/>
+            <ac:spMk id="1043" creationId="{F79A1D25-E857-4166-93CA-B8772927C91D}"/>
+          </ac:spMkLst>
+        </pc:spChg>
+        <pc:spChg chg="add">
+          <ac:chgData name="Darnell Ford (student)" userId="60e3d762-46e2-4dc7-b2a6-4e9d10b38edb" providerId="ADAL" clId="{CDCF51ED-15B4-DF42-B508-006B84488BF0}" dt="2023-04-23T19:08:04.285" v="2485" actId="26606"/>
+          <ac:spMkLst>
+            <pc:docMk/>
+            <pc:sldMk cId="3152615372" sldId="258"/>
+            <ac:spMk id="1045" creationId="{7C809178-18EC-4F14-82C0-293EC9D14BCB}"/>
+          </ac:spMkLst>
+        </pc:spChg>
+        <pc:picChg chg="add del mod">
+          <ac:chgData name="Darnell Ford (student)" userId="60e3d762-46e2-4dc7-b2a6-4e9d10b38edb" providerId="ADAL" clId="{CDCF51ED-15B4-DF42-B508-006B84488BF0}" dt="2023-04-23T19:03:45.309" v="2441" actId="21"/>
+          <ac:picMkLst>
+            <pc:docMk/>
+            <pc:sldMk cId="3152615372" sldId="258"/>
+            <ac:picMk id="2" creationId="{293965A0-A6AF-A7F1-53E9-64159A8C873F}"/>
+          </ac:picMkLst>
+        </pc:picChg>
+        <pc:picChg chg="add mod ord">
+          <ac:chgData name="Darnell Ford (student)" userId="60e3d762-46e2-4dc7-b2a6-4e9d10b38edb" providerId="ADAL" clId="{CDCF51ED-15B4-DF42-B508-006B84488BF0}" dt="2023-04-23T19:08:25.014" v="2488" actId="1076"/>
+          <ac:picMkLst>
+            <pc:docMk/>
+            <pc:sldMk cId="3152615372" sldId="258"/>
+            <ac:picMk id="3" creationId="{25CAA7F8-E102-94FA-0A7A-5A3C0D7BB0DD}"/>
+          </ac:picMkLst>
+        </pc:picChg>
+        <pc:picChg chg="add del mod">
+          <ac:chgData name="Darnell Ford (student)" userId="60e3d762-46e2-4dc7-b2a6-4e9d10b38edb" providerId="ADAL" clId="{CDCF51ED-15B4-DF42-B508-006B84488BF0}" dt="2023-04-23T19:05:11.353" v="2458"/>
+          <ac:picMkLst>
+            <pc:docMk/>
+            <pc:sldMk cId="3152615372" sldId="258"/>
+            <ac:picMk id="5" creationId="{5C450E70-D961-8726-9583-A12EC380627D}"/>
+          </ac:picMkLst>
+        </pc:picChg>
+        <pc:picChg chg="add mod">
+          <ac:chgData name="Darnell Ford (student)" userId="60e3d762-46e2-4dc7-b2a6-4e9d10b38edb" providerId="ADAL" clId="{CDCF51ED-15B4-DF42-B508-006B84488BF0}" dt="2023-04-23T19:08:04.285" v="2485" actId="26606"/>
+          <ac:picMkLst>
+            <pc:docMk/>
+            <pc:sldMk cId="3152615372" sldId="258"/>
+            <ac:picMk id="6" creationId="{7C5C8BBB-7A47-18F6-9D25-15DEC6BA42AE}"/>
+          </ac:picMkLst>
+        </pc:picChg>
+        <pc:picChg chg="del mod">
+          <ac:chgData name="Darnell Ford (student)" userId="60e3d762-46e2-4dc7-b2a6-4e9d10b38edb" providerId="ADAL" clId="{CDCF51ED-15B4-DF42-B508-006B84488BF0}" dt="2023-04-23T19:06:58.257" v="2468" actId="21"/>
+          <ac:picMkLst>
+            <pc:docMk/>
+            <pc:sldMk cId="3152615372" sldId="258"/>
+            <ac:picMk id="1026" creationId="{E98B40A0-1362-3955-361D-4C1417A4D32F}"/>
+          </ac:picMkLst>
+        </pc:picChg>
+        <pc:picChg chg="del">
+          <ac:chgData name="Darnell Ford (student)" userId="60e3d762-46e2-4dc7-b2a6-4e9d10b38edb" providerId="ADAL" clId="{CDCF51ED-15B4-DF42-B508-006B84488BF0}" dt="2023-04-23T19:03:41.095" v="2439" actId="21"/>
+          <ac:picMkLst>
+            <pc:docMk/>
+            <pc:sldMk cId="3152615372" sldId="258"/>
+            <ac:picMk id="1028" creationId="{74656B71-40DB-50B7-E1E3-C59F235022B2}"/>
+          </ac:picMkLst>
+        </pc:picChg>
+        <pc:picChg chg="add del">
+          <ac:chgData name="Darnell Ford (student)" userId="60e3d762-46e2-4dc7-b2a6-4e9d10b38edb" providerId="ADAL" clId="{CDCF51ED-15B4-DF42-B508-006B84488BF0}" dt="2023-04-23T19:06:09.096" v="2461" actId="21"/>
+          <ac:picMkLst>
+            <pc:docMk/>
+            <pc:sldMk cId="3152615372" sldId="258"/>
+            <ac:picMk id="1030" creationId="{3A9B251F-137F-4323-8B83-ADC718A6047B}"/>
+          </ac:picMkLst>
+        </pc:picChg>
+        <pc:picChg chg="add mod">
+          <ac:chgData name="Darnell Ford (student)" userId="60e3d762-46e2-4dc7-b2a6-4e9d10b38edb" providerId="ADAL" clId="{CDCF51ED-15B4-DF42-B508-006B84488BF0}" dt="2023-04-23T19:08:21.759" v="2487" actId="1076"/>
+          <ac:picMkLst>
+            <pc:docMk/>
+            <pc:sldMk cId="3152615372" sldId="258"/>
+            <ac:picMk id="1032" creationId="{D6772BE3-060C-873E-4974-08FC66BC0F25}"/>
+          </ac:picMkLst>
+        </pc:picChg>
+      </pc:sldChg>
       <pc:sldChg chg="addSp delSp modSp mod setBg delDesignElem">
-        <pc:chgData name="Darnell Ford (student)" userId="60e3d762-46e2-4dc7-b2a6-4e9d10b38edb" providerId="ADAL" clId="{CDCF51ED-15B4-DF42-B508-006B84488BF0}" dt="2023-04-23T03:17:58.156" v="1455"/>
+        <pc:chgData name="Darnell Ford (student)" userId="60e3d762-46e2-4dc7-b2a6-4e9d10b38edb" providerId="ADAL" clId="{CDCF51ED-15B4-DF42-B508-006B84488BF0}" dt="2023-04-23T19:01:43.975" v="2438" actId="20577"/>
         <pc:sldMkLst>
           <pc:docMk/>
           <pc:sldMk cId="3491338551" sldId="259"/>
@@ -1403,12 +1530,28 @@
             <ac:spMk id="2" creationId="{0806FD74-8DED-7516-8C01-F5061AAD2E44}"/>
           </ac:spMkLst>
         </pc:spChg>
+        <pc:spChg chg="add mod">
+          <ac:chgData name="Darnell Ford (student)" userId="60e3d762-46e2-4dc7-b2a6-4e9d10b38edb" providerId="ADAL" clId="{CDCF51ED-15B4-DF42-B508-006B84488BF0}" dt="2023-04-23T18:59:19.709" v="2370" actId="1076"/>
+          <ac:spMkLst>
+            <pc:docMk/>
+            <pc:sldMk cId="3491338551" sldId="259"/>
+            <ac:spMk id="3" creationId="{0D52F410-6AB6-5D97-30ED-2604FE1B3524}"/>
+          </ac:spMkLst>
+        </pc:spChg>
         <pc:spChg chg="mod">
-          <ac:chgData name="Darnell Ford (student)" userId="60e3d762-46e2-4dc7-b2a6-4e9d10b38edb" providerId="ADAL" clId="{CDCF51ED-15B4-DF42-B508-006B84488BF0}" dt="2023-04-23T03:14:00.341" v="1428" actId="26606"/>
+          <ac:chgData name="Darnell Ford (student)" userId="60e3d762-46e2-4dc7-b2a6-4e9d10b38edb" providerId="ADAL" clId="{CDCF51ED-15B4-DF42-B508-006B84488BF0}" dt="2023-04-23T18:59:07.612" v="2367" actId="14100"/>
           <ac:spMkLst>
             <pc:docMk/>
             <pc:sldMk cId="3491338551" sldId="259"/>
             <ac:spMk id="4" creationId="{13924D0A-BE33-3CF0-E68B-C0AE7546D143}"/>
+          </ac:spMkLst>
+        </pc:spChg>
+        <pc:spChg chg="add mod">
+          <ac:chgData name="Darnell Ford (student)" userId="60e3d762-46e2-4dc7-b2a6-4e9d10b38edb" providerId="ADAL" clId="{CDCF51ED-15B4-DF42-B508-006B84488BF0}" dt="2023-04-23T19:01:43.975" v="2438" actId="20577"/>
+          <ac:spMkLst>
+            <pc:docMk/>
+            <pc:sldMk cId="3491338551" sldId="259"/>
+            <ac:spMk id="5" creationId="{4CF177EA-3957-5C11-EE4A-C3E084D40C6E}"/>
           </ac:spMkLst>
         </pc:spChg>
         <pc:spChg chg="add del">
@@ -1895,7 +2038,6 @@
               <a:rPr lang="en-US"/>
               <a:t>Click to edit Master title style</a:t>
             </a:r>
-            <a:endParaRPr lang="en-US" dirty="0"/>
           </a:p>
         </p:txBody>
       </p:sp>
@@ -2025,7 +2167,6 @@
               <a:rPr lang="en-US"/>
               <a:t>Click to edit Master subtitle style</a:t>
             </a:r>
-            <a:endParaRPr lang="en-US" dirty="0"/>
           </a:p>
         </p:txBody>
       </p:sp>
@@ -2046,7 +2187,7 @@
           <a:p>
             <a:fld id="{2F3E8B1C-86EF-43CF-8304-249481088644}" type="datetimeFigureOut">
               <a:rPr lang="en-US" smtClean="0"/>
-              <a:t>4/22/23</a:t>
+              <a:t>4/23/23</a:t>
             </a:fld>
             <a:endParaRPr lang="en-US"/>
           </a:p>
@@ -2154,7 +2295,6 @@
               <a:rPr lang="en-US"/>
               <a:t>Click to edit Master title style</a:t>
             </a:r>
-            <a:endParaRPr lang="en-US" dirty="0"/>
           </a:p>
         </p:txBody>
       </p:sp>
@@ -2249,7 +2389,6 @@
               <a:rPr lang="en-US"/>
               <a:t>Click icon to add picture</a:t>
             </a:r>
-            <a:endParaRPr lang="en-US" dirty="0"/>
           </a:p>
         </p:txBody>
       </p:sp>
@@ -2338,7 +2477,7 @@
             <a:fld id="{2F3E8B1C-86EF-43CF-8304-249481088644}" type="datetimeFigureOut">
               <a:rPr lang="en-US" smtClean="0"/>
               <a:pPr/>
-              <a:t>4/22/23</a:t>
+              <a:t>4/23/23</a:t>
             </a:fld>
             <a:endParaRPr lang="en-US"/>
           </a:p>
@@ -2447,7 +2586,6 @@
               <a:rPr lang="en-US"/>
               <a:t>Click to edit Master title style</a:t>
             </a:r>
-            <a:endParaRPr lang="en-US" dirty="0"/>
           </a:p>
         </p:txBody>
       </p:sp>
@@ -2599,7 +2737,7 @@
             <a:fld id="{2F3E8B1C-86EF-43CF-8304-249481088644}" type="datetimeFigureOut">
               <a:rPr lang="en-US" smtClean="0"/>
               <a:pPr/>
-              <a:t>4/22/23</a:t>
+              <a:t>4/23/23</a:t>
             </a:fld>
             <a:endParaRPr lang="en-US"/>
           </a:p>
@@ -2783,7 +2921,7 @@
           <a:p>
             <a:pPr lvl="0"/>
             <a:r>
-              <a:rPr lang="en-US" sz="8000" dirty="0">
+              <a:rPr lang="en-US" sz="8000">
                 <a:solidFill>
                   <a:schemeClr val="accent1"/>
                 </a:solidFill>
@@ -2898,7 +3036,7 @@
           <a:p>
             <a:pPr lvl="0" algn="r"/>
             <a:r>
-              <a:rPr lang="en-US" sz="8000" dirty="0">
+              <a:rPr lang="en-US" sz="8000">
                 <a:solidFill>
                   <a:schemeClr val="accent1"/>
                 </a:solidFill>
@@ -2942,7 +3080,6 @@
               <a:rPr lang="en-US"/>
               <a:t>Click to edit Master title style</a:t>
             </a:r>
-            <a:endParaRPr lang="en-US" dirty="0"/>
           </a:p>
         </p:txBody>
       </p:sp>
@@ -3070,7 +3207,7 @@
             <a:fld id="{2F3E8B1C-86EF-43CF-8304-249481088644}" type="datetimeFigureOut">
               <a:rPr lang="en-US" smtClean="0"/>
               <a:pPr/>
-              <a:t>4/22/23</a:t>
+              <a:t>4/23/23</a:t>
             </a:fld>
             <a:endParaRPr lang="en-US"/>
           </a:p>
@@ -3179,7 +3316,6 @@
               <a:rPr lang="en-US"/>
               <a:t>Click to edit Master title style</a:t>
             </a:r>
-            <a:endParaRPr lang="en-US" dirty="0"/>
           </a:p>
         </p:txBody>
       </p:sp>
@@ -3252,7 +3388,7 @@
             <a:fld id="{2F3E8B1C-86EF-43CF-8304-249481088644}" type="datetimeFigureOut">
               <a:rPr lang="en-US" smtClean="0"/>
               <a:pPr/>
-              <a:t>4/22/23</a:t>
+              <a:t>4/23/23</a:t>
             </a:fld>
             <a:endParaRPr lang="en-US"/>
           </a:p>
@@ -3436,7 +3572,7 @@
           <a:p>
             <a:pPr lvl="0"/>
             <a:r>
-              <a:rPr lang="en-US" sz="8000" dirty="0">
+              <a:rPr lang="en-US" sz="8000">
                 <a:solidFill>
                   <a:schemeClr val="accent1"/>
                 </a:solidFill>
@@ -3551,7 +3687,7 @@
           <a:p>
             <a:pPr lvl="0" algn="r"/>
             <a:r>
-              <a:rPr lang="en-US" sz="8000" dirty="0">
+              <a:rPr lang="en-US" sz="8000">
                 <a:solidFill>
                   <a:schemeClr val="accent1"/>
                 </a:solidFill>
@@ -3606,7 +3742,6 @@
               <a:rPr lang="en-US"/>
               <a:t>Click to edit Master title style</a:t>
             </a:r>
-            <a:endParaRPr lang="en-US" dirty="0"/>
           </a:p>
         </p:txBody>
       </p:sp>
@@ -3830,7 +3965,7 @@
             <a:fld id="{2F3E8B1C-86EF-43CF-8304-249481088644}" type="datetimeFigureOut">
               <a:rPr lang="en-US" smtClean="0"/>
               <a:pPr/>
-              <a:t>4/22/23</a:t>
+              <a:t>4/23/23</a:t>
             </a:fld>
             <a:endParaRPr lang="en-US"/>
           </a:p>
@@ -3940,7 +4075,6 @@
               <a:rPr lang="en-US"/>
               <a:t>Click to edit Master title style</a:t>
             </a:r>
-            <a:endParaRPr lang="en-US" dirty="0"/>
           </a:p>
         </p:txBody>
       </p:sp>
@@ -4164,7 +4298,7 @@
             <a:fld id="{2F3E8B1C-86EF-43CF-8304-249481088644}" type="datetimeFigureOut">
               <a:rPr lang="en-US" smtClean="0"/>
               <a:pPr/>
-              <a:t>4/22/23</a:t>
+              <a:t>4/23/23</a:t>
             </a:fld>
             <a:endParaRPr lang="en-US"/>
           </a:p>
@@ -4267,7 +4401,6 @@
               <a:rPr lang="en-US"/>
               <a:t>Click to edit Master title style</a:t>
             </a:r>
-            <a:endParaRPr lang="en-US" dirty="0"/>
           </a:p>
         </p:txBody>
       </p:sp>
@@ -4319,7 +4452,6 @@
               <a:rPr lang="en-US"/>
               <a:t>Fifth level</a:t>
             </a:r>
-            <a:endParaRPr lang="en-US" dirty="0"/>
           </a:p>
         </p:txBody>
       </p:sp>
@@ -4340,7 +4472,7 @@
           <a:p>
             <a:fld id="{2F3E8B1C-86EF-43CF-8304-249481088644}" type="datetimeFigureOut">
               <a:rPr lang="en-US" smtClean="0"/>
-              <a:t>4/22/23</a:t>
+              <a:t>4/23/23</a:t>
             </a:fld>
             <a:endParaRPr lang="en-US"/>
           </a:p>
@@ -4442,7 +4574,6 @@
               <a:rPr lang="en-US"/>
               <a:t>Click to edit Master title style</a:t>
             </a:r>
-            <a:endParaRPr lang="en-US" dirty="0"/>
           </a:p>
         </p:txBody>
       </p:sp>
@@ -4499,7 +4630,6 @@
               <a:rPr lang="en-US"/>
               <a:t>Fifth level</a:t>
             </a:r>
-            <a:endParaRPr lang="en-US" dirty="0"/>
           </a:p>
         </p:txBody>
       </p:sp>
@@ -4520,7 +4650,7 @@
           <a:p>
             <a:fld id="{2F3E8B1C-86EF-43CF-8304-249481088644}" type="datetimeFigureOut">
               <a:rPr lang="en-US" smtClean="0"/>
-              <a:t>4/22/23</a:t>
+              <a:t>4/23/23</a:t>
             </a:fld>
             <a:endParaRPr lang="en-US"/>
           </a:p>
@@ -4617,7 +4747,6 @@
               <a:rPr lang="en-US"/>
               <a:t>Click to edit Master title style</a:t>
             </a:r>
-            <a:endParaRPr lang="en-US" dirty="0"/>
           </a:p>
         </p:txBody>
       </p:sp>
@@ -4669,7 +4798,6 @@
               <a:rPr lang="en-US"/>
               <a:t>Fifth level</a:t>
             </a:r>
-            <a:endParaRPr lang="en-US" dirty="0"/>
           </a:p>
         </p:txBody>
       </p:sp>
@@ -4690,7 +4818,7 @@
           <a:p>
             <a:fld id="{2F3E8B1C-86EF-43CF-8304-249481088644}" type="datetimeFigureOut">
               <a:rPr lang="en-US" smtClean="0"/>
-              <a:t>4/22/23</a:t>
+              <a:t>4/23/23</a:t>
             </a:fld>
             <a:endParaRPr lang="en-US"/>
           </a:p>
@@ -4796,7 +4924,6 @@
               <a:rPr lang="en-US"/>
               <a:t>Click to edit Master title style</a:t>
             </a:r>
-            <a:endParaRPr lang="en-US" dirty="0"/>
           </a:p>
         </p:txBody>
       </p:sp>
@@ -4947,7 +5074,7 @@
           <a:p>
             <a:fld id="{2F3E8B1C-86EF-43CF-8304-249481088644}" type="datetimeFigureOut">
               <a:rPr lang="en-US" smtClean="0"/>
-              <a:t>4/22/23</a:t>
+              <a:t>4/23/23</a:t>
             </a:fld>
             <a:endParaRPr lang="en-US"/>
           </a:p>
@@ -5044,7 +5171,6 @@
               <a:rPr lang="en-US"/>
               <a:t>Click to edit Master title style</a:t>
             </a:r>
-            <a:endParaRPr lang="en-US" dirty="0"/>
           </a:p>
         </p:txBody>
       </p:sp>
@@ -5131,7 +5257,6 @@
               <a:rPr lang="en-US"/>
               <a:t>Fifth level</a:t>
             </a:r>
-            <a:endParaRPr lang="en-US" dirty="0"/>
           </a:p>
         </p:txBody>
       </p:sp>
@@ -5218,7 +5343,6 @@
               <a:rPr lang="en-US"/>
               <a:t>Fifth level</a:t>
             </a:r>
-            <a:endParaRPr lang="en-US" dirty="0"/>
           </a:p>
         </p:txBody>
       </p:sp>
@@ -5239,7 +5363,7 @@
           <a:p>
             <a:fld id="{2F3E8B1C-86EF-43CF-8304-249481088644}" type="datetimeFigureOut">
               <a:rPr lang="en-US" smtClean="0"/>
-              <a:t>4/22/23</a:t>
+              <a:t>4/23/23</a:t>
             </a:fld>
             <a:endParaRPr lang="en-US"/>
           </a:p>
@@ -5340,7 +5464,6 @@
               <a:rPr lang="en-US"/>
               <a:t>Click to edit Master title style</a:t>
             </a:r>
-            <a:endParaRPr lang="en-US" dirty="0"/>
           </a:p>
         </p:txBody>
       </p:sp>
@@ -5494,7 +5617,6 @@
               <a:rPr lang="en-US"/>
               <a:t>Fifth level</a:t>
             </a:r>
-            <a:endParaRPr lang="en-US" dirty="0"/>
           </a:p>
         </p:txBody>
       </p:sp>
@@ -5648,7 +5770,6 @@
               <a:rPr lang="en-US"/>
               <a:t>Fifth level</a:t>
             </a:r>
-            <a:endParaRPr lang="en-US" dirty="0"/>
           </a:p>
         </p:txBody>
       </p:sp>
@@ -5669,7 +5790,7 @@
           <a:p>
             <a:fld id="{2F3E8B1C-86EF-43CF-8304-249481088644}" type="datetimeFigureOut">
               <a:rPr lang="en-US" smtClean="0"/>
-              <a:t>4/22/23</a:t>
+              <a:t>4/23/23</a:t>
             </a:fld>
             <a:endParaRPr lang="en-US"/>
           </a:p>
@@ -5766,7 +5887,6 @@
               <a:rPr lang="en-US"/>
               <a:t>Click to edit Master title style</a:t>
             </a:r>
-            <a:endParaRPr lang="en-US" dirty="0"/>
           </a:p>
         </p:txBody>
       </p:sp>
@@ -5787,7 +5907,7 @@
           <a:p>
             <a:fld id="{2F3E8B1C-86EF-43CF-8304-249481088644}" type="datetimeFigureOut">
               <a:rPr lang="en-US" smtClean="0"/>
-              <a:t>4/22/23</a:t>
+              <a:t>4/23/23</a:t>
             </a:fld>
             <a:endParaRPr lang="en-US"/>
           </a:p>
@@ -5882,7 +6002,7 @@
           <a:p>
             <a:fld id="{2F3E8B1C-86EF-43CF-8304-249481088644}" type="datetimeFigureOut">
               <a:rPr lang="en-US" smtClean="0"/>
-              <a:t>4/22/23</a:t>
+              <a:t>4/23/23</a:t>
             </a:fld>
             <a:endParaRPr lang="en-US"/>
           </a:p>
@@ -5990,7 +6110,6 @@
               <a:rPr lang="en-US"/>
               <a:t>Click to edit Master title style</a:t>
             </a:r>
-            <a:endParaRPr lang="en-US" dirty="0"/>
           </a:p>
         </p:txBody>
       </p:sp>
@@ -6077,7 +6196,6 @@
               <a:rPr lang="en-US"/>
               <a:t>Fifth level</a:t>
             </a:r>
-            <a:endParaRPr lang="en-US" dirty="0"/>
           </a:p>
         </p:txBody>
       </p:sp>
@@ -6165,7 +6283,7 @@
           <a:p>
             <a:fld id="{2F3E8B1C-86EF-43CF-8304-249481088644}" type="datetimeFigureOut">
               <a:rPr lang="en-US" smtClean="0"/>
-              <a:t>4/22/23</a:t>
+              <a:t>4/23/23</a:t>
             </a:fld>
             <a:endParaRPr lang="en-US"/>
           </a:p>
@@ -6273,7 +6391,6 @@
               <a:rPr lang="en-US"/>
               <a:t>Click to edit Master title style</a:t>
             </a:r>
-            <a:endParaRPr lang="en-US" dirty="0"/>
           </a:p>
         </p:txBody>
       </p:sp>
@@ -6363,7 +6480,6 @@
               <a:rPr lang="en-US"/>
               <a:t>Click icon to add picture</a:t>
             </a:r>
-            <a:endParaRPr lang="en-US" dirty="0"/>
           </a:p>
         </p:txBody>
       </p:sp>
@@ -6456,7 +6572,7 @@
           <a:p>
             <a:fld id="{2F3E8B1C-86EF-43CF-8304-249481088644}" type="datetimeFigureOut">
               <a:rPr lang="en-US" smtClean="0"/>
-              <a:t>4/22/23</a:t>
+              <a:t>4/23/23</a:t>
             </a:fld>
             <a:endParaRPr lang="en-US"/>
           </a:p>
@@ -6578,7 +6694,6 @@
               <a:rPr lang="en-US"/>
               <a:t>Click to edit Master title style</a:t>
             </a:r>
-            <a:endParaRPr lang="en-US" dirty="0"/>
           </a:p>
         </p:txBody>
       </p:sp>
@@ -6640,7 +6755,6 @@
               <a:rPr lang="en-US"/>
               <a:t>Fifth level</a:t>
             </a:r>
-            <a:endParaRPr lang="en-US" dirty="0"/>
           </a:p>
         </p:txBody>
       </p:sp>
@@ -6688,7 +6802,7 @@
             <a:fld id="{2F3E8B1C-86EF-43CF-8304-249481088644}" type="datetimeFigureOut">
               <a:rPr lang="en-US" smtClean="0"/>
               <a:pPr/>
-              <a:t>4/22/23</a:t>
+              <a:t>4/23/23</a:t>
             </a:fld>
             <a:endParaRPr lang="en-US"/>
           </a:p>
@@ -7556,7 +7670,7 @@
               </a:lnSpc>
             </a:pPr>
             <a:r>
-              <a:rPr lang="en-US" sz="1700" dirty="0">
+              <a:rPr lang="en-US" sz="1700">
                 <a:solidFill>
                   <a:srgbClr val="FFFFFF"/>
                 </a:solidFill>
@@ -7582,6 +7696,29 @@
 <file path=ppt/slides/slide2.xml><?xml version="1.0" encoding="utf-8"?>
 <p:sld xmlns:a="http://schemas.openxmlformats.org/drawingml/2006/main" xmlns:r="http://schemas.openxmlformats.org/officeDocument/2006/relationships" xmlns:p="http://schemas.openxmlformats.org/presentationml/2006/main">
   <p:cSld>
+    <p:bg>
+      <p:bgPr>
+        <a:blipFill rotWithShape="1">
+          <a:blip r:embed="rId2">
+            <a:duotone>
+              <a:schemeClr val="bg2">
+                <a:shade val="28000"/>
+                <a:satMod val="94000"/>
+                <a:lumMod val="20000"/>
+              </a:schemeClr>
+              <a:schemeClr val="bg2">
+                <a:tint val="94000"/>
+                <a:shade val="84000"/>
+                <a:satMod val="148000"/>
+                <a:lumMod val="114000"/>
+              </a:schemeClr>
+            </a:duotone>
+          </a:blip>
+          <a:stretch/>
+        </a:blipFill>
+        <a:effectLst/>
+      </p:bgPr>
+    </p:bg>
     <p:spTree>
       <p:nvGrpSpPr>
         <p:cNvPr id="1" name=""/>
@@ -7596,6 +7733,66 @@
           <a:chExt cx="0" cy="0"/>
         </a:xfrm>
       </p:grpSpPr>
+      <p:sp useBgFill="1">
+        <p:nvSpPr>
+          <p:cNvPr id="1045" name="Rectangle 1036">
+            <a:extLst>
+              <a:ext uri="{FF2B5EF4-FFF2-40B4-BE49-F238E27FC236}">
+                <a16:creationId xmlns:a16="http://schemas.microsoft.com/office/drawing/2014/main" id="{7C809178-18EC-4F14-82C0-293EC9D14BCB}"/>
+              </a:ext>
+              <a:ext uri="{C183D7F6-B498-43B3-948B-1728B52AA6E4}">
+                <adec:decorative xmlns:adec="http://schemas.microsoft.com/office/drawing/2017/decorative" val="1"/>
+              </a:ext>
+            </a:extLst>
+          </p:cNvPr>
+          <p:cNvSpPr>
+            <a:spLocks noGrp="1" noRot="1" noChangeAspect="1" noMove="1" noResize="1" noEditPoints="1" noAdjustHandles="1" noChangeArrowheads="1" noChangeShapeType="1" noTextEdit="1"/>
+          </p:cNvSpPr>
+          <p:nvPr>
+            <p:extLst>
+              <p:ext uri="{386F3935-93C4-4BCD-93E2-E3B085C9AB24}">
+                <p16:designElem xmlns:p16="http://schemas.microsoft.com/office/powerpoint/2015/main" val="1"/>
+              </p:ext>
+            </p:extLst>
+          </p:nvPr>
+        </p:nvSpPr>
+        <p:spPr>
+          <a:xfrm>
+            <a:off x="0" y="0"/>
+            <a:ext cx="12192000" cy="6858000"/>
+          </a:xfrm>
+          <a:prstGeom prst="rect">
+            <a:avLst/>
+          </a:prstGeom>
+          <a:ln>
+            <a:noFill/>
+          </a:ln>
+        </p:spPr>
+        <p:style>
+          <a:lnRef idx="2">
+            <a:schemeClr val="accent1">
+              <a:shade val="50000"/>
+            </a:schemeClr>
+          </a:lnRef>
+          <a:fillRef idx="1">
+            <a:schemeClr val="accent1"/>
+          </a:fillRef>
+          <a:effectRef idx="0">
+            <a:schemeClr val="accent1"/>
+          </a:effectRef>
+          <a:fontRef idx="minor">
+            <a:schemeClr val="lt1"/>
+          </a:fontRef>
+        </p:style>
+        <p:txBody>
+          <a:bodyPr rtlCol="0" anchor="ctr"/>
+          <a:lstStyle/>
+          <a:p>
+            <a:pPr algn="ctr"/>
+            <a:endParaRPr lang="en-US"/>
+          </a:p>
+        </p:txBody>
+      </p:sp>
       <p:sp>
         <p:nvSpPr>
           <p:cNvPr id="4" name="Title 3">
@@ -7614,17 +7811,34 @@
         </p:nvSpPr>
         <p:spPr>
           <a:xfrm>
-            <a:off x="700635" y="922096"/>
-            <a:ext cx="10691265" cy="778117"/>
+            <a:off x="1751012" y="4363271"/>
+            <a:ext cx="8676222" cy="1066801"/>
           </a:xfrm>
         </p:spPr>
         <p:txBody>
-          <a:bodyPr/>
+          <a:bodyPr vert="horz" lIns="91440" tIns="45720" rIns="91440" bIns="45720" rtlCol="0" anchor="b">
+            <a:normAutofit/>
+          </a:bodyPr>
           <a:lstStyle/>
           <a:p>
             <a:pPr algn="ctr"/>
             <a:r>
-              <a:rPr lang="en-US"/>
+              <a:rPr lang="en-US" sz="4800">
+                <a:effectLst>
+                  <a:glow rad="38100">
+                    <a:schemeClr val="bg1">
+                      <a:lumMod val="65000"/>
+                      <a:lumOff val="35000"/>
+                      <a:alpha val="50000"/>
+                    </a:schemeClr>
+                  </a:glow>
+                  <a:outerShdw blurRad="28575" dist="31750" dir="13200000" algn="tl" rotWithShape="0">
+                    <a:srgbClr val="000000">
+                      <a:alpha val="25000"/>
+                    </a:srgbClr>
+                  </a:outerShdw>
+                </a:effectLst>
+              </a:rPr>
               <a:t>SONG CHOICE</a:t>
             </a:r>
           </a:p>
@@ -7632,10 +7846,10 @@
       </p:sp>
       <p:pic>
         <p:nvPicPr>
-          <p:cNvPr id="1026" name="Picture 2" descr="Top 5 Tips to Make the Most Out of Golden Hour in Photography">
+          <p:cNvPr id="6" name="Picture 6" descr="KACEY MUSGRAVES : HITS Daily Double">
             <a:extLst>
               <a:ext uri="{FF2B5EF4-FFF2-40B4-BE49-F238E27FC236}">
-                <a16:creationId xmlns:a16="http://schemas.microsoft.com/office/drawing/2014/main" id="{E98B40A0-1362-3955-361D-4C1417A4D32F}"/>
+                <a16:creationId xmlns:a16="http://schemas.microsoft.com/office/drawing/2014/main" id="{7C5C8BBB-7A47-18F6-9D25-15DEC6BA42AE}"/>
               </a:ext>
             </a:extLst>
           </p:cNvPr>
@@ -7644,23 +7858,21 @@
           </p:cNvPicPr>
           <p:nvPr/>
         </p:nvPicPr>
-        <p:blipFill>
-          <a:blip r:embed="rId2">
+        <p:blipFill rotWithShape="1">
+          <a:blip r:embed="rId3">
             <a:extLst>
               <a:ext uri="{28A0092B-C50C-407E-A947-70E740481C1C}">
                 <a14:useLocalDpi xmlns:a14="http://schemas.microsoft.com/office/drawing/2010/main" val="0"/>
               </a:ext>
             </a:extLst>
           </a:blip>
-          <a:srcRect/>
-          <a:stretch>
-            <a:fillRect/>
-          </a:stretch>
+          <a:srcRect r="3" b="17893"/>
+          <a:stretch/>
         </p:blipFill>
         <p:spPr bwMode="auto">
           <a:xfrm>
-            <a:off x="180974" y="2346446"/>
-            <a:ext cx="3666389" cy="2749791"/>
+            <a:off x="20" y="10"/>
+            <a:ext cx="4059916" cy="4273816"/>
           </a:xfrm>
           <a:prstGeom prst="rect">
             <a:avLst/>
@@ -7679,10 +7891,10 @@
       </p:pic>
       <p:pic>
         <p:nvPicPr>
-          <p:cNvPr id="1028" name="Picture 4" descr="Golden Hour - song and lyrics by InRp | Spotify">
+          <p:cNvPr id="1032" name="Picture 8" descr="Total solar eclipse">
             <a:extLst>
               <a:ext uri="{FF2B5EF4-FFF2-40B4-BE49-F238E27FC236}">
-                <a16:creationId xmlns:a16="http://schemas.microsoft.com/office/drawing/2014/main" id="{74656B71-40DB-50B7-E1E3-C59F235022B2}"/>
+                <a16:creationId xmlns:a16="http://schemas.microsoft.com/office/drawing/2014/main" id="{D6772BE3-060C-873E-4974-08FC66BC0F25}"/>
               </a:ext>
             </a:extLst>
           </p:cNvPr>
@@ -7691,23 +7903,21 @@
           </p:cNvPicPr>
           <p:nvPr/>
         </p:nvPicPr>
-        <p:blipFill>
-          <a:blip r:embed="rId3">
+        <p:blipFill rotWithShape="1">
+          <a:blip r:embed="rId4">
             <a:extLst>
               <a:ext uri="{28A0092B-C50C-407E-A947-70E740481C1C}">
                 <a14:useLocalDpi xmlns:a14="http://schemas.microsoft.com/office/drawing/2010/main" val="0"/>
               </a:ext>
             </a:extLst>
           </a:blip>
-          <a:srcRect/>
-          <a:stretch>
-            <a:fillRect/>
-          </a:stretch>
+          <a:srcRect l="26375" r="10220" b="-1"/>
+          <a:stretch/>
         </p:blipFill>
         <p:spPr bwMode="auto">
           <a:xfrm>
-            <a:off x="3993356" y="1700213"/>
-            <a:ext cx="4205288" cy="4205288"/>
+            <a:off x="8119852" y="0"/>
+            <a:ext cx="4072128" cy="4273816"/>
           </a:xfrm>
           <a:prstGeom prst="rect">
             <a:avLst/>
@@ -7726,10 +7936,10 @@
       </p:pic>
       <p:pic>
         <p:nvPicPr>
-          <p:cNvPr id="1030" name="Picture 6" descr="Who is JVKE? The viral TikTok star rising on the charts with Golden Hour">
+          <p:cNvPr id="3" name="Picture 2" descr="Kacey Musgraves' 'Golden Hour' - Everything You Need to Know">
             <a:extLst>
               <a:ext uri="{FF2B5EF4-FFF2-40B4-BE49-F238E27FC236}">
-                <a16:creationId xmlns:a16="http://schemas.microsoft.com/office/drawing/2014/main" id="{3A9B251F-137F-4323-8B83-ADC718A6047B}"/>
+                <a16:creationId xmlns:a16="http://schemas.microsoft.com/office/drawing/2014/main" id="{25CAA7F8-E102-94FA-0A7A-5A3C0D7BB0DD}"/>
               </a:ext>
             </a:extLst>
           </p:cNvPr>
@@ -7739,20 +7949,20 @@
           <p:nvPr/>
         </p:nvPicPr>
         <p:blipFill rotWithShape="1">
-          <a:blip r:embed="rId4">
+          <a:blip r:embed="rId5">
             <a:extLst>
               <a:ext uri="{28A0092B-C50C-407E-A947-70E740481C1C}">
                 <a14:useLocalDpi xmlns:a14="http://schemas.microsoft.com/office/drawing/2010/main" val="0"/>
               </a:ext>
             </a:extLst>
           </a:blip>
-          <a:srcRect l="12311" r="17871"/>
+          <a:srcRect l="5004" r="4" b="4"/>
           <a:stretch/>
         </p:blipFill>
         <p:spPr bwMode="auto">
           <a:xfrm>
-            <a:off x="8344637" y="2346445"/>
-            <a:ext cx="3638563" cy="2749791"/>
+            <a:off x="4059155" y="0"/>
+            <a:ext cx="4059936" cy="4273816"/>
           </a:xfrm>
           <a:prstGeom prst="rect">
             <a:avLst/>
@@ -7777,7 +7987,7 @@
     </p:extLst>
   </p:cSld>
   <p:clrMapOvr>
-    <a:overrideClrMapping bg1="lt1" tx1="dk1" bg2="lt2" tx2="dk2" accent1="accent1" accent2="accent2" accent3="accent3" accent4="accent4" accent5="accent5" accent6="accent6" hlink="hlink" folHlink="folHlink"/>
+    <a:masterClrMapping/>
   </p:clrMapOvr>
   <mc:AlternateContent xmlns:mc="http://schemas.openxmlformats.org/markup-compatibility/2006" xmlns:p14="http://schemas.microsoft.com/office/powerpoint/2010/main">
     <mc:Choice Requires="p14">
@@ -7878,8 +8088,8 @@
         </p:nvSpPr>
         <p:spPr>
           <a:xfrm>
-            <a:off x="988475" y="1489956"/>
-            <a:ext cx="10207388" cy="4524315"/>
+            <a:off x="960120" y="1489956"/>
+            <a:ext cx="10235743" cy="3970318"/>
           </a:xfrm>
           <a:prstGeom prst="rect">
             <a:avLst/>
@@ -7900,8 +8110,8 @@
               <a:buChar char="•"/>
             </a:pPr>
             <a:r>
-              <a:rPr lang="en-US"/>
-              <a:t>JVKE says that the composition of the piano in the song was heavily influence by Franz Liszt, who is an 1800s composer whose music he played while being classically instructed in piano. </a:t>
+              <a:rPr lang="en-US" dirty="0"/>
+              <a:t>Kacey Musgraves inspiration for the song was her recent marriage to Ruston Kelly. </a:t>
             </a:r>
           </a:p>
           <a:p>
@@ -7909,73 +8119,111 @@
               <a:buFont typeface="Arial" panose="020B0604020202020204" pitchFamily="34" charset="0"/>
               <a:buChar char="•"/>
             </a:pPr>
-            <a:endParaRPr lang="en-US"/>
-          </a:p>
-          <a:p>
-            <a:endParaRPr lang="en-US"/>
-          </a:p>
-          <a:p>
-            <a:endParaRPr lang="en-US"/>
+            <a:endParaRPr lang="en-US" dirty="0"/>
+          </a:p>
+          <a:p>
+            <a:endParaRPr lang="en-US" dirty="0"/>
+          </a:p>
+          <a:p>
+            <a:endParaRPr lang="en-US" dirty="0"/>
           </a:p>
           <a:p>
             <a:pPr marL="285750" indent="-285750">
               <a:buFont typeface="Arial" panose="020B0604020202020204" pitchFamily="34" charset="0"/>
               <a:buChar char="•"/>
             </a:pPr>
-            <a:r>
-              <a:rPr lang="en-US"/>
-              <a:t>He had written the song to be about falling in love, illustrated by the first few lines of the song.</a:t>
-            </a:r>
+            <a:endParaRPr lang="en-US" dirty="0"/>
           </a:p>
           <a:p>
             <a:pPr marL="285750" indent="-285750">
               <a:buFont typeface="Arial" panose="020B0604020202020204" pitchFamily="34" charset="0"/>
               <a:buChar char="•"/>
             </a:pPr>
-            <a:endParaRPr lang="en-US"/>
+            <a:r>
+              <a:rPr lang="en-US" dirty="0"/>
+              <a:t>However, the album title also happens to be “Golden Hour”; and, she says a total solar eclipse in August 2017 was the inspiration for that.</a:t>
+            </a:r>
           </a:p>
           <a:p>
             <a:pPr marL="285750" indent="-285750">
               <a:buFont typeface="Arial" panose="020B0604020202020204" pitchFamily="34" charset="0"/>
               <a:buChar char="•"/>
             </a:pPr>
-            <a:endParaRPr lang="en-US"/>
-          </a:p>
-          <a:p>
-            <a:endParaRPr lang="en-US"/>
-          </a:p>
-          <a:p>
-            <a:endParaRPr lang="en-US"/>
+            <a:endParaRPr lang="en-US" dirty="0"/>
           </a:p>
           <a:p>
             <a:pPr marL="285750" indent="-285750">
               <a:buFont typeface="Arial" panose="020B0604020202020204" pitchFamily="34" charset="0"/>
               <a:buChar char="•"/>
             </a:pPr>
-            <a:r>
-              <a:rPr lang="en-US"/>
-              <a:t>JVKE wrote and produced "Golden Hour" with his brother, Zac Lawson. </a:t>
-            </a:r>
-          </a:p>
-          <a:p>
-            <a:endParaRPr lang="en-US"/>
-          </a:p>
-          <a:p>
-            <a:endParaRPr lang="en-US"/>
-          </a:p>
-          <a:p>
-            <a:r>
-              <a:rPr lang="en-US"/>
+            <a:endParaRPr lang="en-US" dirty="0"/>
+          </a:p>
+          <a:p>
+            <a:pPr marL="285750" indent="-285750">
+              <a:buFont typeface="Arial" panose="020B0604020202020204" pitchFamily="34" charset="0"/>
+              <a:buChar char="•"/>
+            </a:pPr>
+            <a:endParaRPr lang="en-US" dirty="0"/>
+          </a:p>
+          <a:p>
+            <a:pPr marL="285750" indent="-285750">
+              <a:buFont typeface="Arial" panose="020B0604020202020204" pitchFamily="34" charset="0"/>
+              <a:buChar char="•"/>
+            </a:pPr>
+            <a:r>
+              <a:rPr lang="en-US" dirty="0"/>
+              <a:t>So, whether the reason for the song title “Golden Hour” was her marriage, a total solar eclipse, or something else completely; it summed up that chapter of her life</a:t>
+            </a:r>
+          </a:p>
+          <a:p>
+            <a:pPr marL="285750" indent="-285750">
+              <a:buFont typeface="Arial" panose="020B0604020202020204" pitchFamily="34" charset="0"/>
+              <a:buChar char="•"/>
+            </a:pPr>
+            <a:endParaRPr lang="en-US" dirty="0"/>
+          </a:p>
+          <a:p>
+            <a:r>
+              <a:rPr lang="en-US" dirty="0"/>
               <a:t> </a:t>
             </a:r>
           </a:p>
-          <a:p>
-            <a:r>
-              <a:rPr lang="en-US"/>
+        </p:txBody>
+      </p:sp>
+      <p:sp>
+        <p:nvSpPr>
+          <p:cNvPr id="3" name="TextBox 2">
+            <a:extLst>
+              <a:ext uri="{FF2B5EF4-FFF2-40B4-BE49-F238E27FC236}">
+                <a16:creationId xmlns:a16="http://schemas.microsoft.com/office/drawing/2014/main" id="{0D52F410-6AB6-5D97-30ED-2604FE1B3524}"/>
+              </a:ext>
+            </a:extLst>
+          </p:cNvPr>
+          <p:cNvSpPr txBox="1"/>
+          <p:nvPr/>
+        </p:nvSpPr>
+        <p:spPr>
+          <a:xfrm>
+            <a:off x="996137" y="5434148"/>
+            <a:ext cx="4000500" cy="1477328"/>
+          </a:xfrm>
+          <a:prstGeom prst="rect">
+            <a:avLst/>
+          </a:prstGeom>
+          <a:noFill/>
+        </p:spPr>
+        <p:txBody>
+          <a:bodyPr wrap="square" rtlCol="0">
+            <a:spAutoFit/>
+          </a:bodyPr>
+          <a:lstStyle/>
+          <a:p>
+            <a:r>
+              <a:rPr lang="en-US" dirty="0"/>
               <a:t>The website used as a reference to transcribe the sheet music was, “</a:t>
             </a:r>
             <a:r>
-              <a:rPr lang="en-US">
+              <a:rPr lang="en-US" dirty="0">
                 <a:hlinkClick r:id="rId3">
                   <a:extLst>
                     <a:ext uri="{A12FA001-AC4F-418D-AE19-62706E023703}">
@@ -7987,7 +8235,61 @@
               <a:t>https://musicsheets.org/golden-hour/</a:t>
             </a:r>
             <a:r>
-              <a:rPr lang="en-US"/>
+              <a:rPr lang="en-US" dirty="0"/>
+              <a:t>”</a:t>
+            </a:r>
+          </a:p>
+          <a:p>
+            <a:endParaRPr lang="en-US" dirty="0"/>
+          </a:p>
+        </p:txBody>
+      </p:sp>
+      <p:sp>
+        <p:nvSpPr>
+          <p:cNvPr id="5" name="TextBox 4">
+            <a:extLst>
+              <a:ext uri="{FF2B5EF4-FFF2-40B4-BE49-F238E27FC236}">
+                <a16:creationId xmlns:a16="http://schemas.microsoft.com/office/drawing/2014/main" id="{4CF177EA-3957-5C11-EE4A-C3E084D40C6E}"/>
+              </a:ext>
+            </a:extLst>
+          </p:cNvPr>
+          <p:cNvSpPr txBox="1"/>
+          <p:nvPr/>
+        </p:nvSpPr>
+        <p:spPr>
+          <a:xfrm>
+            <a:off x="7394812" y="5368044"/>
+            <a:ext cx="4000500" cy="1200329"/>
+          </a:xfrm>
+          <a:prstGeom prst="rect">
+            <a:avLst/>
+          </a:prstGeom>
+          <a:noFill/>
+        </p:spPr>
+        <p:txBody>
+          <a:bodyPr wrap="square" rtlCol="0">
+            <a:spAutoFit/>
+          </a:bodyPr>
+          <a:lstStyle/>
+          <a:p>
+            <a:r>
+              <a:rPr lang="en-US" dirty="0"/>
+              <a:t>Background information for the song was found on, </a:t>
+            </a:r>
+            <a:r>
+              <a:rPr lang="en-US" dirty="0">
+                <a:hlinkClick r:id="rId4">
+                  <a:extLst>
+                    <a:ext uri="{A12FA001-AC4F-418D-AE19-62706E023703}">
+                      <ahyp:hlinkClr xmlns:ahyp="http://schemas.microsoft.com/office/drawing/2018/hyperlinkcolor" val="tx"/>
+                    </a:ext>
+                  </a:extLst>
+                </a:hlinkClick>
+              </a:rPr>
+              <a:t>“https://www.songfacts.com/facts/kacey-musgraves/golden-hour</a:t>
+            </a:r>
+            <a:r>
+              <a:rPr lang="en-US" dirty="0"/>
               <a:t>”</a:t>
             </a:r>
           </a:p>
@@ -8125,15 +8427,15 @@
           <a:lstStyle/>
           <a:p>
             <a:r>
-              <a:rPr lang="en-US" dirty="0"/>
+              <a:rPr lang="en-US"/>
               <a:t>We wrote the delay to serve as pauses that each note is written with. Instead of typing the delays length for each note, we coded it to allow us to type just the type of rest each note has.</a:t>
             </a:r>
           </a:p>
           <a:p>
-            <a:endParaRPr lang="en-US" dirty="0"/>
-          </a:p>
-          <a:p>
-            <a:endParaRPr lang="en-US" dirty="0"/>
+            <a:endParaRPr lang="en-US"/>
+          </a:p>
+          <a:p>
+            <a:endParaRPr lang="en-US"/>
           </a:p>
         </p:txBody>
       </p:sp>
@@ -8237,7 +8539,7 @@
           <a:lstStyle/>
           <a:p>
             <a:r>
-              <a:rPr lang="en-US" dirty="0"/>
+              <a:rPr lang="en-US"/>
               <a:t>In the fourth measure of the song, a repeat was needed so to do that we coded it to repeat 3 times.</a:t>
             </a:r>
           </a:p>
@@ -8346,7 +8648,7 @@
               <a:buNone/>
             </a:pPr>
             <a:r>
-              <a:rPr lang="en-US" dirty="0"/>
+              <a:rPr lang="en-US"/>
               <a:t>Monty Villegas Verschoyle: Main code builder, Presentation editor, Quartermaster</a:t>
             </a:r>
           </a:p>
@@ -8355,7 +8657,7 @@
               <a:buNone/>
             </a:pPr>
             <a:r>
-              <a:rPr lang="en-US" dirty="0"/>
+              <a:rPr lang="en-US"/>
               <a:t>William Soper: Presentation builder, Translator, Presentation editor</a:t>
             </a:r>
           </a:p>
@@ -8364,7 +8666,7 @@
               <a:buNone/>
             </a:pPr>
             <a:r>
-              <a:rPr lang="en-US" dirty="0"/>
+              <a:rPr lang="en-US"/>
               <a:t>Darnell Ford: Translator, Presentation builder, Code editor</a:t>
             </a:r>
           </a:p>
@@ -8373,7 +8675,7 @@
               <a:buNone/>
             </a:pPr>
             <a:r>
-              <a:rPr lang="en-US" dirty="0"/>
+              <a:rPr lang="en-US"/>
               <a:t>Daniel Aranda: Presentation builder, Rehearsal, Translator</a:t>
             </a:r>
           </a:p>
@@ -8592,7 +8894,7 @@
           <a:p>
             <a:pPr algn="ctr"/>
             <a:r>
-              <a:rPr lang="en-US" sz="4400" dirty="0"/>
+              <a:rPr lang="en-US" sz="4400"/>
               <a:t>Variables</a:t>
             </a:r>
           </a:p>
@@ -8698,7 +9000,7 @@
           <a:lstStyle/>
           <a:p>
             <a:r>
-              <a:rPr lang="en-US" dirty="0"/>
+              <a:rPr lang="en-US"/>
               <a:t>In the left box, each note is given its tone based on the chart in the next slide.</a:t>
             </a:r>
           </a:p>
@@ -8733,7 +9035,7 @@
           <a:lstStyle/>
           <a:p>
             <a:r>
-              <a:rPr lang="en-US" dirty="0"/>
+              <a:rPr lang="en-US"/>
               <a:t>To the right, the length each note gets played for is given its respected value.</a:t>
             </a:r>
           </a:p>
